--- a/Big Data and Analytics/Azure Machine Learning/Azure Machine Learning.pptx
+++ b/Big Data and Analytics/Azure Machine Learning/Azure Machine Learning.pptx
@@ -6,7 +6,7 @@
     <p:sldMasterId id="2147483663" r:id="rId2"/>
   </p:sldMasterIdLst>
   <p:notesMasterIdLst>
-    <p:notesMasterId r:id="rId17"/>
+    <p:notesMasterId r:id="rId16"/>
   </p:notesMasterIdLst>
   <p:sldIdLst>
     <p:sldId id="256" r:id="rId3"/>
@@ -21,8 +21,7 @@
     <p:sldId id="293" r:id="rId12"/>
     <p:sldId id="301" r:id="rId13"/>
     <p:sldId id="300" r:id="rId14"/>
-    <p:sldId id="295" r:id="rId15"/>
-    <p:sldId id="299" r:id="rId16"/>
+    <p:sldId id="299" r:id="rId15"/>
   </p:sldIdLst>
   <p:sldSz cx="12192000" cy="6858000"/>
   <p:notesSz cx="6858000" cy="9144000"/>
@@ -211,7 +210,7 @@
           <a:p>
             <a:fld id="{49B60EF2-7028-489F-85D8-FE86CD7CF2A0}" type="datetimeFigureOut">
               <a:rPr lang="en-US" smtClean="0"/>
-              <a:t>6/22/2016</a:t>
+              <a:t>10/1/2016</a:t>
             </a:fld>
             <a:endParaRPr lang="en-US"/>
           </a:p>
@@ -1497,15 +1496,7 @@
             </a:r>
             <a:r>
               <a:rPr lang="en-US" baseline="0" dirty="0" smtClean="0"/>
-              <a:t> it is used, and ML Studio includes modules to help with the cleaning. </a:t>
-            </a:r>
-            <a:r>
-              <a:rPr lang="en-US" baseline="0" dirty="0" smtClean="0"/>
-              <a:t>(Examples of cleaning include removing rows with missing data, replacing missing data algorithmically, removing duplicate rows, and removing rows containing "outliers." In practice, cleaning the data can be very time-intensive and often consumes 50% of the time required to build the model.) Once </a:t>
-            </a:r>
-            <a:r>
-              <a:rPr lang="en-US" baseline="0" dirty="0" smtClean="0"/>
-              <a:t>the data is ready, you select an algorithm and "train" the model by allowing it to iterate over the data and find patterns in it. After that comes scoring and evaluating the model, which tells you how well the model is able to predict outcomes. All of this is performed visually in ML Studio. Once the model is ready, a few button clicks deploy it as a Web service so it can be called from client apps.</a:t>
+              <a:t> it is used, and ML Studio includes modules to help with the cleaning. (Examples of cleaning include removing rows with missing data, replacing missing data algorithmically, removing duplicate rows, and removing rows containing "outliers." In practice, cleaning the data can be very time-intensive and often consumes 50% of the time required to build the model.) Once the data is ready, you select an algorithm and "train" the model by allowing it to iterate over the data and find patterns in it. After that comes scoring and evaluating the model, which tells you how well the model is able to predict outcomes. All of this is performed visually in ML Studio. Once the model is ready, a few button clicks deploy it as a Web service so it can be called from client apps.</a:t>
             </a:r>
             <a:endParaRPr lang="en-US" dirty="0"/>
           </a:p>
@@ -1738,29 +1729,8 @@
                 <a:ea typeface="+mn-ea"/>
                 <a:cs typeface="+mn-cs"/>
               </a:rPr>
-              <a:t>Clustering seeks to group a set of objects in such a way that objects in the same group (called a cluster) are more similar to each other than to those in other groups (clusters</a:t>
-            </a:r>
-            <a:r>
-              <a:rPr lang="en-US" sz="1200" kern="1200" dirty="0" smtClean="0">
-                <a:solidFill>
-                  <a:schemeClr val="tx1"/>
-                </a:solidFill>
-                <a:effectLst/>
-                <a:latin typeface="+mn-lt"/>
-                <a:ea typeface="+mn-ea"/>
-                <a:cs typeface="+mn-cs"/>
-              </a:rPr>
-              <a:t>).</a:t>
-            </a:r>
-            <a:endParaRPr lang="en-US" sz="1200" kern="1200" dirty="0" smtClean="0">
-              <a:solidFill>
-                <a:schemeClr val="tx1"/>
-              </a:solidFill>
-              <a:effectLst/>
-              <a:latin typeface="+mn-lt"/>
-              <a:ea typeface="+mn-ea"/>
-              <a:cs typeface="+mn-cs"/>
-            </a:endParaRPr>
+              <a:t>Clustering seeks to group a set of objects in such a way that objects in the same group (called a cluster) are more similar to each other than to those in other groups (clusters).</a:t>
+            </a:r>
           </a:p>
           <a:p>
             <a:endParaRPr lang="en-US" dirty="0" smtClean="0"/>
@@ -1853,24 +1823,16 @@
             </a:r>
             <a:r>
               <a:rPr lang="en-US" baseline="0" dirty="0" smtClean="0"/>
-              <a:t> techniques are used to best-fit a line (hence, LINEAR regression) to the </a:t>
-            </a:r>
+              <a:t> techniques are used to best-fit a line (hence, LINEAR regression) to the data. Multivariate linear regression is similar, but adds additional terms to the equation (b2, b3, and so on).</a:t>
+            </a:r>
+          </a:p>
+          <a:p>
+            <a:endParaRPr lang="en-US" baseline="0" dirty="0" smtClean="0"/>
+          </a:p>
+          <a:p>
             <a:r>
               <a:rPr lang="en-US" baseline="0" dirty="0" smtClean="0"/>
-              <a:t>data. Multivariate linear regression is similar, but adds additional terms to the equation (b2, b3, and so on).</a:t>
-            </a:r>
-          </a:p>
-          <a:p>
-            <a:endParaRPr lang="en-US" baseline="0" dirty="0" smtClean="0"/>
-          </a:p>
-          <a:p>
-            <a:r>
-              <a:rPr lang="en-US" baseline="0" dirty="0" smtClean="0"/>
-              <a:t>Training </a:t>
-            </a:r>
-            <a:r>
-              <a:rPr lang="en-US" baseline="0" dirty="0" smtClean="0"/>
-              <a:t>a linear regression model with millions of values can take time, but once the model is trained, using it to perform predictive analysis is fast because "running" the model involves little more than solving an equation whose coefficients have already been computed (during training).</a:t>
+              <a:t>Training a linear regression model with millions of values can take time, but once the model is trained, using it to perform predictive analysis is fast because "running" the model involves little more than solving an equation whose coefficients have already been computed (during training).</a:t>
             </a:r>
             <a:br>
               <a:rPr lang="en-US" baseline="0" dirty="0" smtClean="0"/>
@@ -2073,7 +2035,7 @@
           <a:p>
             <a:fld id="{0459C166-16D3-4A25-A2F8-C51E0E346B22}" type="datetimeFigureOut">
               <a:rPr lang="en-US" smtClean="0"/>
-              <a:t>6/22/2016</a:t>
+              <a:t>10/1/2016</a:t>
             </a:fld>
             <a:endParaRPr lang="en-US"/>
           </a:p>
@@ -2168,7 +2130,7 @@
           <a:p>
             <a:fld id="{0459C166-16D3-4A25-A2F8-C51E0E346B22}" type="datetimeFigureOut">
               <a:rPr lang="en-US" smtClean="0"/>
-              <a:t>6/22/2016</a:t>
+              <a:t>10/1/2016</a:t>
             </a:fld>
             <a:endParaRPr lang="en-US"/>
           </a:p>
@@ -2443,7 +2405,7 @@
           <a:p>
             <a:fld id="{0459C166-16D3-4A25-A2F8-C51E0E346B22}" type="datetimeFigureOut">
               <a:rPr lang="en-US" smtClean="0"/>
-              <a:t>6/22/2016</a:t>
+              <a:t>10/1/2016</a:t>
             </a:fld>
             <a:endParaRPr lang="en-US"/>
           </a:p>
@@ -2695,7 +2657,7 @@
           <a:p>
             <a:fld id="{0459C166-16D3-4A25-A2F8-C51E0E346B22}" type="datetimeFigureOut">
               <a:rPr lang="en-US" smtClean="0"/>
-              <a:t>6/22/2016</a:t>
+              <a:t>10/1/2016</a:t>
             </a:fld>
             <a:endParaRPr lang="en-US"/>
           </a:p>
@@ -2863,7 +2825,7 @@
           <a:p>
             <a:fld id="{0459C166-16D3-4A25-A2F8-C51E0E346B22}" type="datetimeFigureOut">
               <a:rPr lang="en-US" smtClean="0"/>
-              <a:t>6/22/2016</a:t>
+              <a:t>10/1/2016</a:t>
             </a:fld>
             <a:endParaRPr lang="en-US"/>
           </a:p>
@@ -3041,7 +3003,7 @@
           <a:p>
             <a:fld id="{0459C166-16D3-4A25-A2F8-C51E0E346B22}" type="datetimeFigureOut">
               <a:rPr lang="en-US" smtClean="0"/>
-              <a:t>6/22/2016</a:t>
+              <a:t>10/1/2016</a:t>
             </a:fld>
             <a:endParaRPr lang="en-US"/>
           </a:p>
@@ -4968,7 +4930,7 @@
           <a:p>
             <a:fld id="{0459C166-16D3-4A25-A2F8-C51E0E346B22}" type="datetimeFigureOut">
               <a:rPr lang="en-US" smtClean="0"/>
-              <a:t>6/22/2016</a:t>
+              <a:t>10/1/2016</a:t>
             </a:fld>
             <a:endParaRPr lang="en-US"/>
           </a:p>
@@ -10595,7 +10557,7 @@
             <a:fld id="{0459C166-16D3-4A25-A2F8-C51E0E346B22}" type="datetimeFigureOut">
               <a:rPr lang="en-US" smtClean="0"/>
               <a:pPr/>
-              <a:t>6/22/2016</a:t>
+              <a:t>10/1/2016</a:t>
             </a:fld>
             <a:endParaRPr lang="en-US"/>
           </a:p>
@@ -14657,7 +14619,7 @@
           <a:p>
             <a:fld id="{0459C166-16D3-4A25-A2F8-C51E0E346B22}" type="datetimeFigureOut">
               <a:rPr lang="en-US" smtClean="0"/>
-              <a:t>6/22/2016</a:t>
+              <a:t>10/1/2016</a:t>
             </a:fld>
             <a:endParaRPr lang="en-US"/>
           </a:p>
@@ -15021,7 +14983,7 @@
           <a:p>
             <a:fld id="{0459C166-16D3-4A25-A2F8-C51E0E346B22}" type="datetimeFigureOut">
               <a:rPr lang="en-US" smtClean="0"/>
-              <a:t>6/22/2016</a:t>
+              <a:t>10/1/2016</a:t>
             </a:fld>
             <a:endParaRPr lang="en-US"/>
           </a:p>
@@ -15138,7 +15100,7 @@
           <a:p>
             <a:fld id="{0459C166-16D3-4A25-A2F8-C51E0E346B22}" type="datetimeFigureOut">
               <a:rPr lang="en-US" smtClean="0"/>
-              <a:t>6/22/2016</a:t>
+              <a:t>10/1/2016</a:t>
             </a:fld>
             <a:endParaRPr lang="en-US"/>
           </a:p>
@@ -15349,7 +15311,7 @@
           <a:p>
             <a:fld id="{0459C166-16D3-4A25-A2F8-C51E0E346B22}" type="datetimeFigureOut">
               <a:rPr lang="en-US" smtClean="0"/>
-              <a:t>6/22/2016</a:t>
+              <a:t>10/1/2016</a:t>
             </a:fld>
             <a:endParaRPr lang="en-US"/>
           </a:p>
@@ -17196,82 +17158,6 @@
 </file>
 
 <file path=ppt/slides/slide13.xml><?xml version="1.0" encoding="utf-8"?>
-<p:sld xmlns:a="http://schemas.openxmlformats.org/drawingml/2006/main" xmlns:r="http://schemas.openxmlformats.org/officeDocument/2006/relationships" xmlns:p="http://schemas.openxmlformats.org/presentationml/2006/main">
-  <p:cSld>
-    <p:spTree>
-      <p:nvGrpSpPr>
-        <p:cNvPr id="1" name=""/>
-        <p:cNvGrpSpPr/>
-        <p:nvPr/>
-      </p:nvGrpSpPr>
-      <p:grpSpPr>
-        <a:xfrm>
-          <a:off x="0" y="0"/>
-          <a:ext cx="0" cy="0"/>
-          <a:chOff x="0" y="0"/>
-          <a:chExt cx="0" cy="0"/>
-        </a:xfrm>
-      </p:grpSpPr>
-      <p:sp>
-        <p:nvSpPr>
-          <p:cNvPr id="4" name="Title 3"/>
-          <p:cNvSpPr>
-            <a:spLocks noGrp="1"/>
-          </p:cNvSpPr>
-          <p:nvPr>
-            <p:ph type="title"/>
-          </p:nvPr>
-        </p:nvSpPr>
-        <p:spPr/>
-        <p:txBody>
-          <a:bodyPr/>
-          <a:lstStyle/>
-          <a:p>
-            <a:r>
-              <a:rPr lang="en-US" dirty="0" smtClean="0"/>
-              <a:t>Hands-On Lab</a:t>
-            </a:r>
-            <a:endParaRPr lang="en-US" dirty="0"/>
-          </a:p>
-        </p:txBody>
-      </p:sp>
-      <p:sp>
-        <p:nvSpPr>
-          <p:cNvPr id="5" name="Text Placeholder 4"/>
-          <p:cNvSpPr>
-            <a:spLocks noGrp="1"/>
-          </p:cNvSpPr>
-          <p:nvPr>
-            <p:ph type="body" idx="1"/>
-          </p:nvPr>
-        </p:nvSpPr>
-        <p:spPr/>
-        <p:txBody>
-          <a:bodyPr/>
-          <a:lstStyle/>
-          <a:p>
-            <a:r>
-              <a:rPr lang="en-US" dirty="0" smtClean="0"/>
-              <a:t>Azure Machine Learning HOL.html</a:t>
-            </a:r>
-            <a:endParaRPr lang="en-US" dirty="0"/>
-          </a:p>
-        </p:txBody>
-      </p:sp>
-    </p:spTree>
-    <p:extLst>
-      <p:ext uri="{BB962C8B-B14F-4D97-AF65-F5344CB8AC3E}">
-        <p14:creationId xmlns:p14="http://schemas.microsoft.com/office/powerpoint/2010/main" val="3335184859"/>
-      </p:ext>
-    </p:extLst>
-  </p:cSld>
-  <p:clrMapOvr>
-    <a:masterClrMapping/>
-  </p:clrMapOvr>
-</p:sld>
-</file>
-
-<file path=ppt/slides/slide14.xml><?xml version="1.0" encoding="utf-8"?>
 <p:sld xmlns:a="http://schemas.openxmlformats.org/drawingml/2006/main" xmlns:r="http://schemas.openxmlformats.org/officeDocument/2006/relationships" xmlns:p="http://schemas.openxmlformats.org/presentationml/2006/main">
   <p:cSld>
     <p:spTree>

--- a/Big Data and Analytics/Azure Machine Learning/Azure Machine Learning.pptx
+++ b/Big Data and Analytics/Azure Machine Learning/Azure Machine Learning.pptx
@@ -6,22 +6,23 @@
     <p:sldMasterId id="2147483663" r:id="rId2"/>
   </p:sldMasterIdLst>
   <p:notesMasterIdLst>
-    <p:notesMasterId r:id="rId16"/>
+    <p:notesMasterId r:id="rId17"/>
   </p:notesMasterIdLst>
   <p:sldIdLst>
     <p:sldId id="256" r:id="rId3"/>
     <p:sldId id="287" r:id="rId4"/>
     <p:sldId id="288" r:id="rId5"/>
-    <p:sldId id="289" r:id="rId6"/>
-    <p:sldId id="290" r:id="rId7"/>
-    <p:sldId id="296" r:id="rId8"/>
-    <p:sldId id="292" r:id="rId9"/>
-    <p:sldId id="294" r:id="rId10"/>
-    <p:sldId id="302" r:id="rId11"/>
-    <p:sldId id="293" r:id="rId12"/>
-    <p:sldId id="301" r:id="rId13"/>
-    <p:sldId id="300" r:id="rId14"/>
-    <p:sldId id="299" r:id="rId15"/>
+    <p:sldId id="296" r:id="rId6"/>
+    <p:sldId id="303" r:id="rId7"/>
+    <p:sldId id="290" r:id="rId8"/>
+    <p:sldId id="289" r:id="rId9"/>
+    <p:sldId id="292" r:id="rId10"/>
+    <p:sldId id="294" r:id="rId11"/>
+    <p:sldId id="302" r:id="rId12"/>
+    <p:sldId id="293" r:id="rId13"/>
+    <p:sldId id="301" r:id="rId14"/>
+    <p:sldId id="300" r:id="rId15"/>
+    <p:sldId id="299" r:id="rId16"/>
   </p:sldIdLst>
   <p:sldSz cx="12192000" cy="6858000"/>
   <p:notesSz cx="6858000" cy="9144000"/>
@@ -605,40 +606,38 @@
           <a:bodyPr/>
           <a:lstStyle/>
           <a:p>
-            <a:pPr marL="0" marR="0" indent="0" algn="l" defTabSz="914400" rtl="0" eaLnBrk="1" fontAlgn="auto" latinLnBrk="0" hangingPunct="1">
-              <a:lnSpc>
-                <a:spcPct val="100000"/>
-              </a:lnSpc>
-              <a:spcBef>
-                <a:spcPts val="0"/>
-              </a:spcBef>
-              <a:spcAft>
-                <a:spcPts val="0"/>
-              </a:spcAft>
-              <a:buClrTx/>
-              <a:buSzTx/>
-              <a:buFontTx/>
-              <a:buNone/>
-              <a:tabLst/>
-              <a:defRPr/>
-            </a:pPr>
             <a:r>
               <a:rPr lang="en-US" dirty="0" smtClean="0"/>
-              <a:t>The Azure ML Cheat Sheet helps</a:t>
+              <a:t>Linear regression has been around for hundreds of years and is widely used in statistical modeling. The simplest form of linear regression (univariate) has one input variable and one output variable. Various</a:t>
             </a:r>
             <a:r>
               <a:rPr lang="en-US" baseline="0" dirty="0" smtClean="0"/>
-              <a:t> you pick the right algorithm for a model, even if you're not a trained data scientist. </a:t>
-            </a:r>
-            <a:r>
-              <a:rPr lang="en-US" dirty="0" smtClean="0"/>
-              <a:t>One example is if you want to use a set of input values to predict</a:t>
-            </a:r>
+              <a:t> techniques are used to best-fit a line (hence, LINEAR regression) to the data. Multivariate linear regression is similar, but adds additional terms to the equation (b2, b3, and so on).</a:t>
+            </a:r>
+          </a:p>
+          <a:p>
+            <a:endParaRPr lang="en-US" baseline="0" dirty="0" smtClean="0"/>
+          </a:p>
+          <a:p>
             <a:r>
               <a:rPr lang="en-US" baseline="0" dirty="0" smtClean="0"/>
-              <a:t> an output value from a continuous set of values (e.g., a person's age), use linear regression. But if you're more interested in the distribution of the output, you might use fast forest quantile regression instead. An example of when you would use the latter is using growth charts to assess child development. "Abby's height is in the 10% quantile of the heights of kids her age." Classification algorithms, by contrast, are used to predict a value from a discrete set of values -- for example, classifying an e-mail as spam or not spam.</a:t>
-            </a:r>
-            <a:endParaRPr lang="en-US" dirty="0" smtClean="0"/>
+              <a:t>Training a linear regression model with millions of values can take time, but once the model is trained, using it to perform predictive analysis is fast because "running" the model involves little more than solving an equation whose coefficients have already been computed (during training).</a:t>
+            </a:r>
+            <a:br>
+              <a:rPr lang="en-US" baseline="0" dirty="0" smtClean="0"/>
+            </a:br>
+            <a:r>
+              <a:rPr lang="en-US" baseline="0" dirty="0" smtClean="0"/>
+              <a:t/>
+            </a:r>
+            <a:br>
+              <a:rPr lang="en-US" baseline="0" dirty="0" smtClean="0"/>
+            </a:br>
+            <a:r>
+              <a:rPr lang="en-US" baseline="0" dirty="0" smtClean="0"/>
+              <a:t>This illustration can be used to explain why picking the right algorithm is key to building an effective model. If there is not a relatively linear relationship between input variable(s) and output variable(s), then linear regression won't produce a robust predictive model.</a:t>
+            </a:r>
+            <a:endParaRPr lang="en-US" dirty="0"/>
           </a:p>
         </p:txBody>
       </p:sp>
@@ -668,7 +667,7 @@
     </p:spTree>
     <p:extLst>
       <p:ext uri="{BB962C8B-B14F-4D97-AF65-F5344CB8AC3E}">
-        <p14:creationId xmlns:p14="http://schemas.microsoft.com/office/powerpoint/2010/main" val="67531957"/>
+        <p14:creationId xmlns:p14="http://schemas.microsoft.com/office/powerpoint/2010/main" val="3306435751"/>
       </p:ext>
     </p:extLst>
   </p:cSld>
@@ -722,15 +721,40 @@
           <a:bodyPr/>
           <a:lstStyle/>
           <a:p>
+            <a:pPr marL="0" marR="0" indent="0" algn="l" defTabSz="914400" rtl="0" eaLnBrk="1" fontAlgn="auto" latinLnBrk="0" hangingPunct="1">
+              <a:lnSpc>
+                <a:spcPct val="100000"/>
+              </a:lnSpc>
+              <a:spcBef>
+                <a:spcPts val="0"/>
+              </a:spcBef>
+              <a:spcAft>
+                <a:spcPts val="0"/>
+              </a:spcAft>
+              <a:buClrTx/>
+              <a:buSzTx/>
+              <a:buFontTx/>
+              <a:buNone/>
+              <a:tabLst/>
+              <a:defRPr/>
+            </a:pPr>
             <a:r>
               <a:rPr lang="en-US" dirty="0" smtClean="0"/>
-              <a:t>Once deployed as a Web service, a model can be used</a:t>
+              <a:t>The Azure ML Cheat Sheet helps</a:t>
             </a:r>
             <a:r>
               <a:rPr lang="en-US" baseline="0" dirty="0" smtClean="0"/>
-              <a:t> with simple REST calls over HTTP. This enables developers to build "smart apps" that get their intelligence from ML. In the next lab, students will build and train an ML model, deploy it as a Web service, and then write a client app that uses it.</a:t>
-            </a:r>
-            <a:endParaRPr lang="en-US" dirty="0"/>
+              <a:t> you pick the right algorithm for a model, even if you're not a trained data scientist. </a:t>
+            </a:r>
+            <a:r>
+              <a:rPr lang="en-US" dirty="0" smtClean="0"/>
+              <a:t>One example is if you want to use a set of input values to predict</a:t>
+            </a:r>
+            <a:r>
+              <a:rPr lang="en-US" baseline="0" dirty="0" smtClean="0"/>
+              <a:t> an output value from a continuous set of values (e.g., a person's age), use linear regression. But if you're more interested in the distribution of the output, you might use fast forest quantile regression instead. An example of when you would use the latter is using growth charts to assess child development. "Abby's height is in the 10% quantile of the heights of kids her age." Classification algorithms, by contrast, are used to predict a value from a discrete set of values -- for example, classifying an e-mail as spam or not spam.</a:t>
+            </a:r>
+            <a:endParaRPr lang="en-US" dirty="0" smtClean="0"/>
           </a:p>
         </p:txBody>
       </p:sp>
@@ -760,7 +784,7 @@
     </p:spTree>
     <p:extLst>
       <p:ext uri="{BB962C8B-B14F-4D97-AF65-F5344CB8AC3E}">
-        <p14:creationId xmlns:p14="http://schemas.microsoft.com/office/powerpoint/2010/main" val="1999800174"/>
+        <p14:creationId xmlns:p14="http://schemas.microsoft.com/office/powerpoint/2010/main" val="67531957"/>
       </p:ext>
     </p:extLst>
   </p:cSld>
@@ -816,11 +840,11 @@
           <a:p>
             <a:r>
               <a:rPr lang="en-US" dirty="0" smtClean="0"/>
-              <a:t>Good book -- and free!</a:t>
+              <a:t>Once deployed as a Web service, a model can be used</a:t>
             </a:r>
             <a:r>
               <a:rPr lang="en-US" baseline="0" dirty="0" smtClean="0"/>
-              <a:t> Another recommended book on Azure Machine is Learning is "Predictive Analytics with Microsoft Azure Machine Learning " (https://www.amazon.com/Predictive-Analytics-Microsoft-Machine-Learning/dp/1484212010).</a:t>
+              <a:t> with simple REST calls over HTTP. This enables developers to build "smart apps" that get their intelligence from ML. In the next lab, students will build and train an ML model, deploy it as a Web service, and then write a client app that uses it.</a:t>
             </a:r>
             <a:endParaRPr lang="en-US" dirty="0"/>
           </a:p>
@@ -841,6 +865,98 @@
           <a:bodyPr/>
           <a:lstStyle/>
           <a:p>
+            <a:fld id="{01283FAC-A721-45A3-BBDE-EAF2B09B7CD9}" type="slidenum">
+              <a:rPr lang="en-US" smtClean="0"/>
+              <a:t>12</a:t>
+            </a:fld>
+            <a:endParaRPr lang="en-US"/>
+          </a:p>
+        </p:txBody>
+      </p:sp>
+    </p:spTree>
+    <p:extLst>
+      <p:ext uri="{BB962C8B-B14F-4D97-AF65-F5344CB8AC3E}">
+        <p14:creationId xmlns:p14="http://schemas.microsoft.com/office/powerpoint/2010/main" val="1999800174"/>
+      </p:ext>
+    </p:extLst>
+  </p:cSld>
+  <p:clrMapOvr>
+    <a:masterClrMapping/>
+  </p:clrMapOvr>
+</p:notes>
+</file>
+
+<file path=ppt/notesSlides/notesSlide13.xml><?xml version="1.0" encoding="utf-8"?>
+<p:notes xmlns:a="http://schemas.openxmlformats.org/drawingml/2006/main" xmlns:r="http://schemas.openxmlformats.org/officeDocument/2006/relationships" xmlns:p="http://schemas.openxmlformats.org/presentationml/2006/main">
+  <p:cSld>
+    <p:spTree>
+      <p:nvGrpSpPr>
+        <p:cNvPr id="1" name=""/>
+        <p:cNvGrpSpPr/>
+        <p:nvPr/>
+      </p:nvGrpSpPr>
+      <p:grpSpPr>
+        <a:xfrm>
+          <a:off x="0" y="0"/>
+          <a:ext cx="0" cy="0"/>
+          <a:chOff x="0" y="0"/>
+          <a:chExt cx="0" cy="0"/>
+        </a:xfrm>
+      </p:grpSpPr>
+      <p:sp>
+        <p:nvSpPr>
+          <p:cNvPr id="2" name="Slide Image Placeholder 1"/>
+          <p:cNvSpPr>
+            <a:spLocks noGrp="1" noRot="1" noChangeAspect="1"/>
+          </p:cNvSpPr>
+          <p:nvPr>
+            <p:ph type="sldImg"/>
+          </p:nvPr>
+        </p:nvSpPr>
+        <p:spPr/>
+      </p:sp>
+      <p:sp>
+        <p:nvSpPr>
+          <p:cNvPr id="3" name="Notes Placeholder 2"/>
+          <p:cNvSpPr>
+            <a:spLocks noGrp="1"/>
+          </p:cNvSpPr>
+          <p:nvPr>
+            <p:ph type="body" idx="1"/>
+          </p:nvPr>
+        </p:nvSpPr>
+        <p:spPr/>
+        <p:txBody>
+          <a:bodyPr/>
+          <a:lstStyle/>
+          <a:p>
+            <a:r>
+              <a:rPr lang="en-US" dirty="0" smtClean="0"/>
+              <a:t>Good book -- and free!</a:t>
+            </a:r>
+            <a:r>
+              <a:rPr lang="en-US" baseline="0" dirty="0" smtClean="0"/>
+              <a:t> Another recommended book on Azure Machine is Learning is "Predictive Analytics with Microsoft Azure Machine Learning " (https://www.amazon.com/Predictive-Analytics-Microsoft-Machine-Learning/dp/1484212010).</a:t>
+            </a:r>
+            <a:endParaRPr lang="en-US" dirty="0"/>
+          </a:p>
+        </p:txBody>
+      </p:sp>
+      <p:sp>
+        <p:nvSpPr>
+          <p:cNvPr id="4" name="Slide Number Placeholder 3"/>
+          <p:cNvSpPr>
+            <a:spLocks noGrp="1"/>
+          </p:cNvSpPr>
+          <p:nvPr>
+            <p:ph type="sldNum" sz="quarter" idx="10"/>
+          </p:nvPr>
+        </p:nvSpPr>
+        <p:spPr/>
+        <p:txBody>
+          <a:bodyPr/>
+          <a:lstStyle/>
+          <a:p>
             <a:fld id="{BC60BE34-BC89-4C98-A56B-79B7A098D024}" type="slidenum">
               <a:rPr lang="en-US" smtClean="0">
                 <a:solidFill>
@@ -848,7 +964,7 @@
                 </a:solidFill>
               </a:rPr>
               <a:pPr/>
-              <a:t>12</a:t>
+              <a:t>13</a:t>
             </a:fld>
             <a:endParaRPr lang="en-US">
               <a:solidFill>
@@ -1181,11 +1297,11 @@
           <a:p>
             <a:r>
               <a:rPr lang="en-US" dirty="0" smtClean="0"/>
-              <a:t>ML Studio simplifies machine learning by providing a drag-and-drop model in</a:t>
+              <a:t>Microsoft has a rich history of employing machine learning in their products, beginning with the Silicon Valley company they purchased in 1999 and created Hotmail from. Hotmail used</a:t>
             </a:r>
             <a:r>
               <a:rPr lang="en-US" baseline="0" dirty="0" smtClean="0"/>
-              <a:t> which you build workflow. With ML Studio and the rich of assortment of modules it offers for modeling workflow, you can often build sophisticated models without writing a single line of code. However, it allows you to insert R and Python code anywhere in the workflow, providing infinite flexibility in what you can model.</a:t>
+              <a:t> ML to perform advanced spam detection.</a:t>
             </a:r>
             <a:endParaRPr lang="en-US" dirty="0"/>
           </a:p>
@@ -1217,7 +1333,7 @@
     </p:spTree>
     <p:extLst>
       <p:ext uri="{BB962C8B-B14F-4D97-AF65-F5344CB8AC3E}">
-        <p14:creationId xmlns:p14="http://schemas.microsoft.com/office/powerpoint/2010/main" val="3764833112"/>
+        <p14:creationId xmlns:p14="http://schemas.microsoft.com/office/powerpoint/2010/main" val="1604809656"/>
       </p:ext>
     </p:extLst>
   </p:cSld>
@@ -1271,50 +1387,71 @@
           <a:bodyPr/>
           <a:lstStyle/>
           <a:p>
-            <a:pPr marL="0" marR="0" indent="0" algn="l" defTabSz="914400" rtl="0" eaLnBrk="1" fontAlgn="auto" latinLnBrk="0" hangingPunct="1">
-              <a:lnSpc>
-                <a:spcPct val="100000"/>
-              </a:lnSpc>
-              <a:spcBef>
-                <a:spcPts val="0"/>
-              </a:spcBef>
-              <a:spcAft>
-                <a:spcPts val="0"/>
-              </a:spcAft>
-              <a:buClrTx/>
-              <a:buSzTx/>
-              <a:buFontTx/>
-              <a:buNone/>
-              <a:tabLst/>
-              <a:defRPr/>
-            </a:pPr>
+            <a:r>
+              <a:rPr lang="en-US" sz="1200" kern="1200" dirty="0" smtClean="0">
+                <a:solidFill>
+                  <a:schemeClr val="tx1"/>
+                </a:solidFill>
+                <a:effectLst/>
+                <a:latin typeface="+mn-lt"/>
+                <a:ea typeface="+mn-ea"/>
+                <a:cs typeface="+mn-cs"/>
+              </a:rPr>
+              <a:t>Azure Machine Learning</a:t>
+            </a:r>
             <a:r>
               <a:rPr lang="en-US" dirty="0" smtClean="0"/>
-              <a:t>This quote came from a graduate</a:t>
-            </a:r>
-            <a:r>
-              <a:rPr lang="en-US" baseline="0" dirty="0" smtClean="0"/>
-              <a:t> student </a:t>
+              <a:t> is a cloud-based predictive-analytics service that offers a streamlined experience for data scientists of all skill levels. It's accompanied by the Azure Machine Learning Studio (ML Studio), which is a browser-based tool that provides an easy to use, drag-and-drop interface for building machine-learning models. It comes with a library of time-saving experiments and features best-in-class algorithms developed and tested in the real world by Microsoft businesses such as Bing. And its built-in support for </a:t>
+            </a:r>
+            <a:r>
+              <a:rPr lang="en-US" sz="1200" kern="1200" dirty="0" smtClean="0">
+                <a:solidFill>
+                  <a:schemeClr val="tx1"/>
+                </a:solidFill>
+                <a:effectLst/>
+                <a:latin typeface="+mn-lt"/>
+                <a:ea typeface="+mn-ea"/>
+                <a:cs typeface="+mn-cs"/>
+              </a:rPr>
+              <a:t>R</a:t>
             </a:r>
             <a:r>
               <a:rPr lang="en-US" dirty="0" smtClean="0"/>
-              <a:t>who attended this class at UMass. He had already accepted at offer</a:t>
-            </a:r>
-            <a:r>
-              <a:rPr lang="en-US" baseline="0" dirty="0" smtClean="0"/>
-              <a:t> to go to work for </a:t>
+              <a:t> and </a:t>
+            </a:r>
+            <a:r>
+              <a:rPr lang="en-US" sz="1200" kern="1200" dirty="0" smtClean="0">
+                <a:solidFill>
+                  <a:schemeClr val="tx1"/>
+                </a:solidFill>
+                <a:effectLst/>
+                <a:latin typeface="+mn-lt"/>
+                <a:ea typeface="+mn-ea"/>
+                <a:cs typeface="+mn-cs"/>
+              </a:rPr>
+              <a:t>Python</a:t>
             </a:r>
             <a:r>
               <a:rPr lang="en-US" dirty="0" smtClean="0"/>
-              <a:t>Microsoft post-graduation. </a:t>
-            </a:r>
-            <a:r>
-              <a:rPr lang="en-US" dirty="0" smtClean="0">
-                <a:sym typeface="Wingdings" panose="05000000000000000000" pitchFamily="2" charset="2"/>
+              <a:t> means you can build custom scripts  to customize your model. Once you've built and trained your model in the ML Studio, you can easily expose it as a Web service that is consumable from a variety of programming languages, or share it with the community by placing it in the </a:t>
+            </a:r>
+            <a:r>
+              <a:rPr lang="en-US" sz="1200" kern="1200" dirty="0" smtClean="0">
+                <a:solidFill>
+                  <a:schemeClr val="tx1"/>
+                </a:solidFill>
+                <a:effectLst/>
+                <a:latin typeface="+mn-lt"/>
+                <a:ea typeface="+mn-ea"/>
+                <a:cs typeface="+mn-cs"/>
               </a:rPr>
-              <a:t></a:t>
-            </a:r>
-            <a:endParaRPr lang="en-US" dirty="0" smtClean="0"/>
+              <a:t>Cortana Intelligence Gallery</a:t>
+            </a:r>
+            <a:r>
+              <a:rPr lang="en-US" dirty="0" smtClean="0"/>
+              <a:t>.</a:t>
+            </a:r>
+            <a:endParaRPr lang="en-US" dirty="0"/>
           </a:p>
         </p:txBody>
       </p:sp>
@@ -1344,7 +1481,7 @@
     </p:spTree>
     <p:extLst>
       <p:ext uri="{BB962C8B-B14F-4D97-AF65-F5344CB8AC3E}">
-        <p14:creationId xmlns:p14="http://schemas.microsoft.com/office/powerpoint/2010/main" val="438268556"/>
+        <p14:creationId xmlns:p14="http://schemas.microsoft.com/office/powerpoint/2010/main" val="1744707974"/>
       </p:ext>
     </p:extLst>
   </p:cSld>
@@ -1398,15 +1535,50 @@
           <a:bodyPr/>
           <a:lstStyle/>
           <a:p>
+            <a:pPr marL="0" marR="0" indent="0" algn="l" defTabSz="914400" rtl="0" eaLnBrk="1" fontAlgn="auto" latinLnBrk="0" hangingPunct="1">
+              <a:lnSpc>
+                <a:spcPct val="100000"/>
+              </a:lnSpc>
+              <a:spcBef>
+                <a:spcPts val="0"/>
+              </a:spcBef>
+              <a:spcAft>
+                <a:spcPts val="0"/>
+              </a:spcAft>
+              <a:buClrTx/>
+              <a:buSzTx/>
+              <a:buFontTx/>
+              <a:buNone/>
+              <a:tabLst/>
+              <a:defRPr/>
+            </a:pPr>
             <a:r>
               <a:rPr lang="en-US" dirty="0" smtClean="0"/>
-              <a:t>Microsoft has a rich history of employing machine learning in their products, beginning with the Silicon Valley company they purchased in 1999 and created Hotmail from. Hotmail used</a:t>
+              <a:t>This quote came from a graduate</a:t>
             </a:r>
             <a:r>
               <a:rPr lang="en-US" baseline="0" dirty="0" smtClean="0"/>
-              <a:t> ML to perform advanced spam detection.</a:t>
-            </a:r>
-            <a:endParaRPr lang="en-US" dirty="0"/>
+              <a:t> student </a:t>
+            </a:r>
+            <a:r>
+              <a:rPr lang="en-US" dirty="0" smtClean="0"/>
+              <a:t>who attended this class at UMass. He had already accepted at offer</a:t>
+            </a:r>
+            <a:r>
+              <a:rPr lang="en-US" baseline="0" dirty="0" smtClean="0"/>
+              <a:t> to go to work for </a:t>
+            </a:r>
+            <a:r>
+              <a:rPr lang="en-US" dirty="0" smtClean="0"/>
+              <a:t>Microsoft post-graduation. </a:t>
+            </a:r>
+            <a:r>
+              <a:rPr lang="en-US" dirty="0" smtClean="0">
+                <a:sym typeface="Wingdings" panose="05000000000000000000" pitchFamily="2" charset="2"/>
+              </a:rPr>
+              <a:t></a:t>
+            </a:r>
+            <a:endParaRPr lang="en-US" dirty="0" smtClean="0"/>
           </a:p>
         </p:txBody>
       </p:sp>
@@ -1436,7 +1608,7 @@
     </p:spTree>
     <p:extLst>
       <p:ext uri="{BB962C8B-B14F-4D97-AF65-F5344CB8AC3E}">
-        <p14:creationId xmlns:p14="http://schemas.microsoft.com/office/powerpoint/2010/main" val="1604809656"/>
+        <p14:creationId xmlns:p14="http://schemas.microsoft.com/office/powerpoint/2010/main" val="438268556"/>
       </p:ext>
     </p:extLst>
   </p:cSld>
@@ -1492,11 +1664,11 @@
           <a:p>
             <a:r>
               <a:rPr lang="en-US" dirty="0" smtClean="0"/>
-              <a:t>ML starts with data, which can come from a variety of sources. The data typically needs to be "cleaned" before</a:t>
+              <a:t>ML Studio simplifies machine learning by providing a drag-and-drop model in</a:t>
             </a:r>
             <a:r>
               <a:rPr lang="en-US" baseline="0" dirty="0" smtClean="0"/>
-              <a:t> it is used, and ML Studio includes modules to help with the cleaning. (Examples of cleaning include removing rows with missing data, replacing missing data algorithmically, removing duplicate rows, and removing rows containing "outliers." In practice, cleaning the data can be very time-intensive and often consumes 50% of the time required to build the model.) Once the data is ready, you select an algorithm and "train" the model by allowing it to iterate over the data and find patterns in it. After that comes scoring and evaluating the model, which tells you how well the model is able to predict outcomes. All of this is performed visually in ML Studio. Once the model is ready, a few button clicks deploy it as a Web service so it can be called from client apps.</a:t>
+              <a:t> which you build workflow. With ML Studio and the rich of assortment of modules it offers for modeling workflow, you can often build sophisticated models without writing a single line of code. However, it allows you to insert R and Python code anywhere in the workflow, providing infinite flexibility in what you can model.</a:t>
             </a:r>
             <a:endParaRPr lang="en-US" dirty="0"/>
           </a:p>
@@ -1528,7 +1700,7 @@
     </p:spTree>
     <p:extLst>
       <p:ext uri="{BB962C8B-B14F-4D97-AF65-F5344CB8AC3E}">
-        <p14:creationId xmlns:p14="http://schemas.microsoft.com/office/powerpoint/2010/main" val="393542212"/>
+        <p14:creationId xmlns:p14="http://schemas.microsoft.com/office/powerpoint/2010/main" val="3764833112"/>
       </p:ext>
     </p:extLst>
   </p:cSld>
@@ -1583,157 +1755,14 @@
           <a:lstStyle/>
           <a:p>
             <a:r>
-              <a:rPr lang="en-US" sz="1200" kern="1200" dirty="0" smtClean="0">
-                <a:solidFill>
-                  <a:schemeClr val="tx1"/>
-                </a:solidFill>
-                <a:effectLst/>
-                <a:latin typeface="+mn-lt"/>
-                <a:ea typeface="+mn-ea"/>
-                <a:cs typeface="+mn-cs"/>
-              </a:rPr>
-              <a:t>ML Studio provides canned implementations of 25 of </a:t>
-            </a:r>
-            <a:r>
-              <a:rPr lang="en-US" sz="1200" kern="1200" baseline="0" dirty="0" smtClean="0">
-                <a:solidFill>
-                  <a:schemeClr val="tx1"/>
-                </a:solidFill>
-                <a:effectLst/>
-                <a:latin typeface="+mn-lt"/>
-                <a:ea typeface="+mn-ea"/>
-                <a:cs typeface="+mn-cs"/>
-              </a:rPr>
-              <a:t>the classic algorithms used in machine learning.  It divides them into four categories.</a:t>
-            </a:r>
-          </a:p>
-          <a:p>
-            <a:endParaRPr lang="en-US" sz="1200" kern="1200" dirty="0" smtClean="0">
-              <a:solidFill>
-                <a:schemeClr val="tx1"/>
-              </a:solidFill>
-              <a:effectLst/>
-              <a:latin typeface="+mn-lt"/>
-              <a:ea typeface="+mn-ea"/>
-              <a:cs typeface="+mn-cs"/>
-            </a:endParaRPr>
-          </a:p>
-          <a:p>
-            <a:r>
-              <a:rPr lang="en-US" sz="1200" kern="1200" dirty="0" smtClean="0">
-                <a:solidFill>
-                  <a:schemeClr val="tx1"/>
-                </a:solidFill>
-                <a:effectLst/>
-                <a:latin typeface="+mn-lt"/>
-                <a:ea typeface="+mn-ea"/>
-                <a:cs typeface="+mn-cs"/>
-              </a:rPr>
-              <a:t>Anomaly detection is the identification of items, events, or observations which do not conform to an expected pattern or other items in a dataset. A classic example is examining a dataset representing banking transactions and detecting potentially fraudulent transactions in that group.</a:t>
-            </a:r>
-          </a:p>
-          <a:p>
-            <a:endParaRPr lang="en-US" sz="1200" kern="1200" dirty="0" smtClean="0">
-              <a:solidFill>
-                <a:schemeClr val="tx1"/>
-              </a:solidFill>
-              <a:effectLst/>
-              <a:latin typeface="+mn-lt"/>
-              <a:ea typeface="+mn-ea"/>
-              <a:cs typeface="+mn-cs"/>
-            </a:endParaRPr>
-          </a:p>
-          <a:p>
-            <a:r>
-              <a:rPr lang="en-US" sz="1200" kern="1200" dirty="0" smtClean="0">
-                <a:solidFill>
-                  <a:schemeClr val="tx1"/>
-                </a:solidFill>
-                <a:effectLst/>
-                <a:latin typeface="+mn-lt"/>
-                <a:ea typeface="+mn-ea"/>
-                <a:cs typeface="+mn-cs"/>
-              </a:rPr>
-              <a:t>Regression algorithms seek to establish and quantify relationships between variables. By establishing a relationship between a dependent variable and one or more independent variables, regression analysis can enable the value of a dependent variable to be predicted given a set of inputs with a quantifiable accuracy. A great example can be seen at </a:t>
-            </a:r>
-            <a:r>
-              <a:rPr lang="en-US" sz="1200" u="sng" kern="1200" dirty="0" smtClean="0">
-                <a:solidFill>
-                  <a:schemeClr val="tx1"/>
-                </a:solidFill>
-                <a:effectLst/>
-                <a:latin typeface="+mn-lt"/>
-                <a:ea typeface="+mn-ea"/>
-                <a:cs typeface="+mn-cs"/>
-                <a:hlinkClick r:id="rId3"/>
-              </a:rPr>
-              <a:t>https://how-old.net/#</a:t>
-            </a:r>
-            <a:r>
-              <a:rPr lang="en-US" sz="1200" kern="1200" dirty="0" smtClean="0">
-                <a:solidFill>
-                  <a:schemeClr val="tx1"/>
-                </a:solidFill>
-                <a:effectLst/>
-                <a:latin typeface="+mn-lt"/>
-                <a:ea typeface="+mn-ea"/>
-                <a:cs typeface="+mn-cs"/>
-              </a:rPr>
-              <a:t>, a site that lets you upload a photo and then guesses your age with uncanny accuracy. The site uses Azure Machine Learning and combines classic regression with advanced image recognition.</a:t>
-            </a:r>
-          </a:p>
-          <a:p>
-            <a:endParaRPr lang="en-US" sz="1200" kern="1200" dirty="0" smtClean="0">
-              <a:solidFill>
-                <a:schemeClr val="tx1"/>
-              </a:solidFill>
-              <a:effectLst/>
-              <a:latin typeface="+mn-lt"/>
-              <a:ea typeface="+mn-ea"/>
-              <a:cs typeface="+mn-cs"/>
-            </a:endParaRPr>
-          </a:p>
-          <a:p>
-            <a:r>
-              <a:rPr lang="en-US" sz="1200" kern="1200" dirty="0" smtClean="0">
-                <a:solidFill>
-                  <a:schemeClr val="tx1"/>
-                </a:solidFill>
-                <a:effectLst/>
-                <a:latin typeface="+mn-lt"/>
-                <a:ea typeface="+mn-ea"/>
-                <a:cs typeface="+mn-cs"/>
-              </a:rPr>
-              <a:t>The purpose of classification algorithms is to identify the category to which an observation belongs based on training data consisting of observations which have already been classified (assigned to a category). A great example is determining whether an e-mail belongs to the "spam" category or the "not-spam" category.</a:t>
-            </a:r>
-          </a:p>
-          <a:p>
-            <a:endParaRPr lang="en-US" sz="1200" kern="1200" dirty="0" smtClean="0">
-              <a:solidFill>
-                <a:schemeClr val="tx1"/>
-              </a:solidFill>
-              <a:effectLst/>
-              <a:latin typeface="+mn-lt"/>
-              <a:ea typeface="+mn-ea"/>
-              <a:cs typeface="+mn-cs"/>
-            </a:endParaRPr>
-          </a:p>
-          <a:p>
-            <a:r>
-              <a:rPr lang="en-US" sz="1200" kern="1200" dirty="0" smtClean="0">
-                <a:solidFill>
-                  <a:schemeClr val="tx1"/>
-                </a:solidFill>
-                <a:effectLst/>
-                <a:latin typeface="+mn-lt"/>
-                <a:ea typeface="+mn-ea"/>
-                <a:cs typeface="+mn-cs"/>
-              </a:rPr>
-              <a:t>Clustering seeks to group a set of objects in such a way that objects in the same group (called a cluster) are more similar to each other than to those in other groups (clusters).</a:t>
-            </a:r>
-          </a:p>
-          <a:p>
-            <a:endParaRPr lang="en-US" dirty="0" smtClean="0"/>
+              <a:rPr lang="en-US" dirty="0" smtClean="0"/>
+              <a:t>ML starts with data, which can come from a variety of sources. The data typically needs to be "cleaned" before</a:t>
+            </a:r>
+            <a:r>
+              <a:rPr lang="en-US" baseline="0" dirty="0" smtClean="0"/>
+              <a:t> it is used, and ML Studio includes modules to help with the cleaning. (Examples of cleaning include removing rows with missing data, replacing missing data algorithmically, removing duplicate rows, and removing rows containing "outliers." In practice, cleaning the data can be very time-intensive and often consumes 50% of the time required to build the model.) Once the data is ready, you select an algorithm and "train" the model by allowing it to iterate over the data and find patterns in it. After that comes scoring and evaluating the model, which tells you how well the model is able to predict outcomes. All of this is performed visually in ML Studio. Once the model is ready, a few button clicks deploy it as a Web service so it can be called from client apps.</a:t>
+            </a:r>
+            <a:endParaRPr lang="en-US" dirty="0"/>
           </a:p>
         </p:txBody>
       </p:sp>
@@ -1763,7 +1792,7 @@
     </p:spTree>
     <p:extLst>
       <p:ext uri="{BB962C8B-B14F-4D97-AF65-F5344CB8AC3E}">
-        <p14:creationId xmlns:p14="http://schemas.microsoft.com/office/powerpoint/2010/main" val="2218694453"/>
+        <p14:creationId xmlns:p14="http://schemas.microsoft.com/office/powerpoint/2010/main" val="393542212"/>
       </p:ext>
     </p:extLst>
   </p:cSld>
@@ -1818,37 +1847,157 @@
           <a:lstStyle/>
           <a:p>
             <a:r>
-              <a:rPr lang="en-US" dirty="0" smtClean="0"/>
-              <a:t>Linear regression has been around for hundreds of years and is widely used in statistical modeling. The simplest form of linear regression (univariate) has one input variable and one output variable. Various</a:t>
-            </a:r>
-            <a:r>
-              <a:rPr lang="en-US" baseline="0" dirty="0" smtClean="0"/>
-              <a:t> techniques are used to best-fit a line (hence, LINEAR regression) to the data. Multivariate linear regression is similar, but adds additional terms to the equation (b2, b3, and so on).</a:t>
-            </a:r>
-          </a:p>
-          <a:p>
-            <a:endParaRPr lang="en-US" baseline="0" dirty="0" smtClean="0"/>
-          </a:p>
-          <a:p>
-            <a:r>
-              <a:rPr lang="en-US" baseline="0" dirty="0" smtClean="0"/>
-              <a:t>Training a linear regression model with millions of values can take time, but once the model is trained, using it to perform predictive analysis is fast because "running" the model involves little more than solving an equation whose coefficients have already been computed (during training).</a:t>
-            </a:r>
-            <a:br>
-              <a:rPr lang="en-US" baseline="0" dirty="0" smtClean="0"/>
-            </a:br>
-            <a:r>
-              <a:rPr lang="en-US" baseline="0" dirty="0" smtClean="0"/>
-              <a:t/>
-            </a:r>
-            <a:br>
-              <a:rPr lang="en-US" baseline="0" dirty="0" smtClean="0"/>
-            </a:br>
-            <a:r>
-              <a:rPr lang="en-US" baseline="0" dirty="0" smtClean="0"/>
-              <a:t>This illustration can be used to explain why picking the right algorithm is key to building an effective model. If there is not a relatively linear relationship between input variable(s) and output variable(s), then linear regression won't produce a robust predictive model.</a:t>
-            </a:r>
-            <a:endParaRPr lang="en-US" dirty="0"/>
+              <a:rPr lang="en-US" sz="1200" kern="1200" dirty="0" smtClean="0">
+                <a:solidFill>
+                  <a:schemeClr val="tx1"/>
+                </a:solidFill>
+                <a:effectLst/>
+                <a:latin typeface="+mn-lt"/>
+                <a:ea typeface="+mn-ea"/>
+                <a:cs typeface="+mn-cs"/>
+              </a:rPr>
+              <a:t>ML Studio provides canned implementations of 25 of </a:t>
+            </a:r>
+            <a:r>
+              <a:rPr lang="en-US" sz="1200" kern="1200" baseline="0" dirty="0" smtClean="0">
+                <a:solidFill>
+                  <a:schemeClr val="tx1"/>
+                </a:solidFill>
+                <a:effectLst/>
+                <a:latin typeface="+mn-lt"/>
+                <a:ea typeface="+mn-ea"/>
+                <a:cs typeface="+mn-cs"/>
+              </a:rPr>
+              <a:t>the classic algorithms used in machine learning.  It divides them into four categories.</a:t>
+            </a:r>
+          </a:p>
+          <a:p>
+            <a:endParaRPr lang="en-US" sz="1200" kern="1200" dirty="0" smtClean="0">
+              <a:solidFill>
+                <a:schemeClr val="tx1"/>
+              </a:solidFill>
+              <a:effectLst/>
+              <a:latin typeface="+mn-lt"/>
+              <a:ea typeface="+mn-ea"/>
+              <a:cs typeface="+mn-cs"/>
+            </a:endParaRPr>
+          </a:p>
+          <a:p>
+            <a:r>
+              <a:rPr lang="en-US" sz="1200" kern="1200" dirty="0" smtClean="0">
+                <a:solidFill>
+                  <a:schemeClr val="tx1"/>
+                </a:solidFill>
+                <a:effectLst/>
+                <a:latin typeface="+mn-lt"/>
+                <a:ea typeface="+mn-ea"/>
+                <a:cs typeface="+mn-cs"/>
+              </a:rPr>
+              <a:t>Anomaly detection is the identification of items, events, or observations which do not conform to an expected pattern or other items in a dataset. A classic example is examining a dataset representing banking transactions and detecting potentially fraudulent transactions in that group.</a:t>
+            </a:r>
+          </a:p>
+          <a:p>
+            <a:endParaRPr lang="en-US" sz="1200" kern="1200" dirty="0" smtClean="0">
+              <a:solidFill>
+                <a:schemeClr val="tx1"/>
+              </a:solidFill>
+              <a:effectLst/>
+              <a:latin typeface="+mn-lt"/>
+              <a:ea typeface="+mn-ea"/>
+              <a:cs typeface="+mn-cs"/>
+            </a:endParaRPr>
+          </a:p>
+          <a:p>
+            <a:r>
+              <a:rPr lang="en-US" sz="1200" kern="1200" dirty="0" smtClean="0">
+                <a:solidFill>
+                  <a:schemeClr val="tx1"/>
+                </a:solidFill>
+                <a:effectLst/>
+                <a:latin typeface="+mn-lt"/>
+                <a:ea typeface="+mn-ea"/>
+                <a:cs typeface="+mn-cs"/>
+              </a:rPr>
+              <a:t>Regression algorithms seek to establish and quantify relationships between variables. By establishing a relationship between a dependent variable and one or more independent variables, regression analysis can enable the value of a dependent variable to be predicted given a set of inputs with a quantifiable accuracy. A great example can be seen at </a:t>
+            </a:r>
+            <a:r>
+              <a:rPr lang="en-US" sz="1200" u="sng" kern="1200" dirty="0" smtClean="0">
+                <a:solidFill>
+                  <a:schemeClr val="tx1"/>
+                </a:solidFill>
+                <a:effectLst/>
+                <a:latin typeface="+mn-lt"/>
+                <a:ea typeface="+mn-ea"/>
+                <a:cs typeface="+mn-cs"/>
+                <a:hlinkClick r:id="rId3"/>
+              </a:rPr>
+              <a:t>https://how-old.net/#</a:t>
+            </a:r>
+            <a:r>
+              <a:rPr lang="en-US" sz="1200" kern="1200" dirty="0" smtClean="0">
+                <a:solidFill>
+                  <a:schemeClr val="tx1"/>
+                </a:solidFill>
+                <a:effectLst/>
+                <a:latin typeface="+mn-lt"/>
+                <a:ea typeface="+mn-ea"/>
+                <a:cs typeface="+mn-cs"/>
+              </a:rPr>
+              <a:t>, a site that lets you upload a photo and then guesses your age with uncanny accuracy. The site uses Azure Machine Learning and combines classic regression with advanced image recognition.</a:t>
+            </a:r>
+          </a:p>
+          <a:p>
+            <a:endParaRPr lang="en-US" sz="1200" kern="1200" dirty="0" smtClean="0">
+              <a:solidFill>
+                <a:schemeClr val="tx1"/>
+              </a:solidFill>
+              <a:effectLst/>
+              <a:latin typeface="+mn-lt"/>
+              <a:ea typeface="+mn-ea"/>
+              <a:cs typeface="+mn-cs"/>
+            </a:endParaRPr>
+          </a:p>
+          <a:p>
+            <a:r>
+              <a:rPr lang="en-US" sz="1200" kern="1200" dirty="0" smtClean="0">
+                <a:solidFill>
+                  <a:schemeClr val="tx1"/>
+                </a:solidFill>
+                <a:effectLst/>
+                <a:latin typeface="+mn-lt"/>
+                <a:ea typeface="+mn-ea"/>
+                <a:cs typeface="+mn-cs"/>
+              </a:rPr>
+              <a:t>The purpose of classification algorithms is to identify the category to which an observation belongs based on training data consisting of observations which have already been classified (assigned to a category). A great example is determining whether an e-mail belongs to the "spam" category or the "not-spam" category.</a:t>
+            </a:r>
+          </a:p>
+          <a:p>
+            <a:endParaRPr lang="en-US" sz="1200" kern="1200" dirty="0" smtClean="0">
+              <a:solidFill>
+                <a:schemeClr val="tx1"/>
+              </a:solidFill>
+              <a:effectLst/>
+              <a:latin typeface="+mn-lt"/>
+              <a:ea typeface="+mn-ea"/>
+              <a:cs typeface="+mn-cs"/>
+            </a:endParaRPr>
+          </a:p>
+          <a:p>
+            <a:r>
+              <a:rPr lang="en-US" sz="1200" kern="1200" dirty="0" smtClean="0">
+                <a:solidFill>
+                  <a:schemeClr val="tx1"/>
+                </a:solidFill>
+                <a:effectLst/>
+                <a:latin typeface="+mn-lt"/>
+                <a:ea typeface="+mn-ea"/>
+                <a:cs typeface="+mn-cs"/>
+              </a:rPr>
+              <a:t>Clustering seeks to group a set of objects in such a way that objects in the same group (called a cluster) are more similar to each other than to those in other groups (clusters).</a:t>
+            </a:r>
+          </a:p>
+          <a:p>
+            <a:endParaRPr lang="en-US" dirty="0" smtClean="0"/>
           </a:p>
         </p:txBody>
       </p:sp>
@@ -1878,7 +2027,7 @@
     </p:spTree>
     <p:extLst>
       <p:ext uri="{BB962C8B-B14F-4D97-AF65-F5344CB8AC3E}">
-        <p14:creationId xmlns:p14="http://schemas.microsoft.com/office/powerpoint/2010/main" val="3306435751"/>
+        <p14:creationId xmlns:p14="http://schemas.microsoft.com/office/powerpoint/2010/main" val="2218694453"/>
       </p:ext>
     </p:extLst>
   </p:cSld>
@@ -16695,6 +16844,231 @@
           <a:chExt cx="0" cy="0"/>
         </a:xfrm>
       </p:grpSpPr>
+      <p:sp>
+        <p:nvSpPr>
+          <p:cNvPr id="2" name="Title 1"/>
+          <p:cNvSpPr>
+            <a:spLocks noGrp="1"/>
+          </p:cNvSpPr>
+          <p:nvPr>
+            <p:ph type="title"/>
+          </p:nvPr>
+        </p:nvSpPr>
+        <p:spPr/>
+        <p:txBody>
+          <a:bodyPr/>
+          <a:lstStyle/>
+          <a:p>
+            <a:r>
+              <a:rPr lang="en-US" dirty="0" smtClean="0"/>
+              <a:t>Simple (Univariate) Linear Regression</a:t>
+            </a:r>
+            <a:endParaRPr lang="en-US" dirty="0"/>
+          </a:p>
+        </p:txBody>
+      </p:sp>
+      <p:pic>
+        <p:nvPicPr>
+          <p:cNvPr id="4" name="Picture 3"/>
+          <p:cNvPicPr>
+            <a:picLocks noChangeAspect="1"/>
+          </p:cNvPicPr>
+          <p:nvPr/>
+        </p:nvPicPr>
+        <p:blipFill>
+          <a:blip r:embed="rId3"/>
+          <a:stretch>
+            <a:fillRect/>
+          </a:stretch>
+        </p:blipFill>
+        <p:spPr>
+          <a:xfrm>
+            <a:off x="2861210" y="2110710"/>
+            <a:ext cx="6056623" cy="3768982"/>
+          </a:xfrm>
+          <a:prstGeom prst="rect">
+            <a:avLst/>
+          </a:prstGeom>
+        </p:spPr>
+      </p:pic>
+      <p:sp>
+        <p:nvSpPr>
+          <p:cNvPr id="5" name="TextBox 4"/>
+          <p:cNvSpPr txBox="1"/>
+          <p:nvPr/>
+        </p:nvSpPr>
+        <p:spPr>
+          <a:xfrm>
+            <a:off x="560440" y="2015613"/>
+            <a:ext cx="2163096" cy="1754326"/>
+          </a:xfrm>
+          <a:prstGeom prst="rect">
+            <a:avLst/>
+          </a:prstGeom>
+          <a:noFill/>
+        </p:spPr>
+        <p:txBody>
+          <a:bodyPr wrap="square" rtlCol="0">
+            <a:spAutoFit/>
+          </a:bodyPr>
+          <a:lstStyle/>
+          <a:p>
+            <a:r>
+              <a:rPr lang="en-US" dirty="0" smtClean="0"/>
+              <a:t>Regression line represented by an equation of the form Y = b</a:t>
+            </a:r>
+            <a:r>
+              <a:rPr lang="en-US" baseline="-25000" dirty="0" smtClean="0"/>
+              <a:t>0</a:t>
+            </a:r>
+            <a:r>
+              <a:rPr lang="en-US" dirty="0" smtClean="0"/>
+              <a:t> + b</a:t>
+            </a:r>
+            <a:r>
+              <a:rPr lang="en-US" baseline="-25000" dirty="0" smtClean="0"/>
+              <a:t>1</a:t>
+            </a:r>
+            <a:r>
+              <a:rPr lang="en-US" dirty="0" smtClean="0"/>
+              <a:t>X where Y is the dependent variable</a:t>
+            </a:r>
+            <a:endParaRPr lang="en-US" dirty="0"/>
+          </a:p>
+        </p:txBody>
+      </p:sp>
+      <p:cxnSp>
+        <p:nvCxnSpPr>
+          <p:cNvPr id="7" name="Straight Arrow Connector 6"/>
+          <p:cNvCxnSpPr/>
+          <p:nvPr/>
+        </p:nvCxnSpPr>
+        <p:spPr>
+          <a:xfrm>
+            <a:off x="2723536" y="3677265"/>
+            <a:ext cx="934064" cy="924232"/>
+          </a:xfrm>
+          <a:prstGeom prst="straightConnector1">
+            <a:avLst/>
+          </a:prstGeom>
+          <a:ln w="76200">
+            <a:solidFill>
+              <a:srgbClr val="235888"/>
+            </a:solidFill>
+            <a:tailEnd type="triangle"/>
+          </a:ln>
+        </p:spPr>
+        <p:style>
+          <a:lnRef idx="1">
+            <a:schemeClr val="accent1"/>
+          </a:lnRef>
+          <a:fillRef idx="0">
+            <a:schemeClr val="accent1"/>
+          </a:fillRef>
+          <a:effectRef idx="0">
+            <a:schemeClr val="accent1"/>
+          </a:effectRef>
+          <a:fontRef idx="minor">
+            <a:schemeClr val="tx1"/>
+          </a:fontRef>
+        </p:style>
+      </p:cxnSp>
+      <p:sp>
+        <p:nvSpPr>
+          <p:cNvPr id="8" name="TextBox 7"/>
+          <p:cNvSpPr txBox="1"/>
+          <p:nvPr/>
+        </p:nvSpPr>
+        <p:spPr>
+          <a:xfrm>
+            <a:off x="9724105" y="3585834"/>
+            <a:ext cx="2182760" cy="2031325"/>
+          </a:xfrm>
+          <a:prstGeom prst="rect">
+            <a:avLst/>
+          </a:prstGeom>
+          <a:noFill/>
+        </p:spPr>
+        <p:txBody>
+          <a:bodyPr wrap="square" rtlCol="0">
+            <a:spAutoFit/>
+          </a:bodyPr>
+          <a:lstStyle/>
+          <a:p>
+            <a:r>
+              <a:rPr lang="en-US" dirty="0" smtClean="0"/>
+              <a:t>Error between actual and computed output minimized using least-squares or gradient-descent method</a:t>
+            </a:r>
+            <a:endParaRPr lang="en-US" dirty="0"/>
+          </a:p>
+        </p:txBody>
+      </p:sp>
+      <p:cxnSp>
+        <p:nvCxnSpPr>
+          <p:cNvPr id="9" name="Straight Arrow Connector 8"/>
+          <p:cNvCxnSpPr/>
+          <p:nvPr/>
+        </p:nvCxnSpPr>
+        <p:spPr>
+          <a:xfrm flipH="1" flipV="1">
+            <a:off x="8101781" y="3677265"/>
+            <a:ext cx="1622325" cy="103124"/>
+          </a:xfrm>
+          <a:prstGeom prst="straightConnector1">
+            <a:avLst/>
+          </a:prstGeom>
+          <a:ln w="76200">
+            <a:solidFill>
+              <a:srgbClr val="235888"/>
+            </a:solidFill>
+            <a:tailEnd type="triangle"/>
+          </a:ln>
+        </p:spPr>
+        <p:style>
+          <a:lnRef idx="1">
+            <a:schemeClr val="accent1"/>
+          </a:lnRef>
+          <a:fillRef idx="0">
+            <a:schemeClr val="accent1"/>
+          </a:fillRef>
+          <a:effectRef idx="0">
+            <a:schemeClr val="accent1"/>
+          </a:effectRef>
+          <a:fontRef idx="minor">
+            <a:schemeClr val="tx1"/>
+          </a:fontRef>
+        </p:style>
+      </p:cxnSp>
+    </p:spTree>
+    <p:extLst>
+      <p:ext uri="{BB962C8B-B14F-4D97-AF65-F5344CB8AC3E}">
+        <p14:creationId xmlns:p14="http://schemas.microsoft.com/office/powerpoint/2010/main" val="3149181271"/>
+      </p:ext>
+    </p:extLst>
+  </p:cSld>
+  <p:clrMapOvr>
+    <a:masterClrMapping/>
+  </p:clrMapOvr>
+</p:sld>
+</file>
+
+<file path=ppt/slides/slide11.xml><?xml version="1.0" encoding="utf-8"?>
+<p:sld xmlns:a="http://schemas.openxmlformats.org/drawingml/2006/main" xmlns:r="http://schemas.openxmlformats.org/officeDocument/2006/relationships" xmlns:p="http://schemas.openxmlformats.org/presentationml/2006/main">
+  <p:cSld>
+    <p:spTree>
+      <p:nvGrpSpPr>
+        <p:cNvPr id="1" name=""/>
+        <p:cNvGrpSpPr/>
+        <p:nvPr/>
+      </p:nvGrpSpPr>
+      <p:grpSpPr>
+        <a:xfrm>
+          <a:off x="0" y="0"/>
+          <a:ext cx="0" cy="0"/>
+          <a:chOff x="0" y="0"/>
+          <a:chExt cx="0" cy="0"/>
+        </a:xfrm>
+      </p:grpSpPr>
       <p:pic>
         <p:nvPicPr>
           <p:cNvPr id="4" name="Picture 3"/>
@@ -16797,7 +17171,7 @@
 </p:sld>
 </file>
 
-<file path=ppt/slides/slide11.xml><?xml version="1.0" encoding="utf-8"?>
+<file path=ppt/slides/slide12.xml><?xml version="1.0" encoding="utf-8"?>
 <p:sld xmlns:a="http://schemas.openxmlformats.org/drawingml/2006/main" xmlns:r="http://schemas.openxmlformats.org/officeDocument/2006/relationships" xmlns:p="http://schemas.openxmlformats.org/presentationml/2006/main">
   <p:cSld>
     <p:spTree>
@@ -16904,7 +17278,7 @@
 </p:sld>
 </file>
 
-<file path=ppt/slides/slide12.xml><?xml version="1.0" encoding="utf-8"?>
+<file path=ppt/slides/slide13.xml><?xml version="1.0" encoding="utf-8"?>
 <p:sld xmlns:a="http://schemas.openxmlformats.org/drawingml/2006/main" xmlns:r="http://schemas.openxmlformats.org/officeDocument/2006/relationships" xmlns:p="http://schemas.openxmlformats.org/presentationml/2006/main">
   <p:cSld>
     <p:bg>
@@ -17157,7 +17531,7 @@
 </p:sld>
 </file>
 
-<file path=ppt/slides/slide13.xml><?xml version="1.0" encoding="utf-8"?>
+<file path=ppt/slides/slide14.xml><?xml version="1.0" encoding="utf-8"?>
 <p:sld xmlns:a="http://schemas.openxmlformats.org/drawingml/2006/main" xmlns:r="http://schemas.openxmlformats.org/officeDocument/2006/relationships" xmlns:p="http://schemas.openxmlformats.org/presentationml/2006/main">
   <p:cSld>
     <p:spTree>
@@ -17482,381 +17856,6 @@
 </file>
 
 <file path=ppt/slides/slide4.xml><?xml version="1.0" encoding="utf-8"?>
-<p:sld xmlns:a="http://schemas.openxmlformats.org/drawingml/2006/main" xmlns:r="http://schemas.openxmlformats.org/officeDocument/2006/relationships" xmlns:p="http://schemas.openxmlformats.org/presentationml/2006/main">
-  <p:cSld>
-    <p:spTree>
-      <p:nvGrpSpPr>
-        <p:cNvPr id="1" name=""/>
-        <p:cNvGrpSpPr/>
-        <p:nvPr/>
-      </p:nvGrpSpPr>
-      <p:grpSpPr>
-        <a:xfrm>
-          <a:off x="0" y="0"/>
-          <a:ext cx="0" cy="0"/>
-          <a:chOff x="0" y="0"/>
-          <a:chExt cx="0" cy="0"/>
-        </a:xfrm>
-      </p:grpSpPr>
-      <p:sp>
-        <p:nvSpPr>
-          <p:cNvPr id="2" name="Title 1"/>
-          <p:cNvSpPr>
-            <a:spLocks noGrp="1"/>
-          </p:cNvSpPr>
-          <p:nvPr>
-            <p:ph type="title"/>
-          </p:nvPr>
-        </p:nvSpPr>
-        <p:spPr/>
-        <p:txBody>
-          <a:bodyPr/>
-          <a:lstStyle/>
-          <a:p>
-            <a:r>
-              <a:rPr lang="en-US" dirty="0" smtClean="0"/>
-              <a:t>Azure Machine Learning</a:t>
-            </a:r>
-            <a:endParaRPr lang="en-US" dirty="0"/>
-          </a:p>
-        </p:txBody>
-      </p:sp>
-      <p:sp>
-        <p:nvSpPr>
-          <p:cNvPr id="3" name="Content Placeholder 2"/>
-          <p:cNvSpPr>
-            <a:spLocks noGrp="1"/>
-          </p:cNvSpPr>
-          <p:nvPr>
-            <p:ph idx="1"/>
-          </p:nvPr>
-        </p:nvSpPr>
-        <p:spPr>
-          <a:xfrm>
-            <a:off x="838199" y="1825625"/>
-            <a:ext cx="5720255" cy="4351338"/>
-          </a:xfrm>
-        </p:spPr>
-        <p:txBody>
-          <a:bodyPr>
-            <a:normAutofit/>
-          </a:bodyPr>
-          <a:lstStyle/>
-          <a:p>
-            <a:r>
-              <a:rPr lang="en-US" dirty="0"/>
-              <a:t>Cloud service for building </a:t>
-            </a:r>
-            <a:r>
-              <a:rPr lang="en-US" dirty="0" smtClean="0"/>
-              <a:t>rich Machine Learning </a:t>
-            </a:r>
-            <a:r>
-              <a:rPr lang="en-US" dirty="0"/>
-              <a:t>models</a:t>
-            </a:r>
-          </a:p>
-          <a:p>
-            <a:r>
-              <a:rPr lang="en-US" dirty="0" smtClean="0"/>
-              <a:t>ML </a:t>
-            </a:r>
-            <a:r>
-              <a:rPr lang="en-US" dirty="0"/>
-              <a:t>Studio </a:t>
-            </a:r>
-            <a:r>
-              <a:rPr lang="en-US" dirty="0" smtClean="0"/>
-              <a:t>for composing models</a:t>
-            </a:r>
-            <a:endParaRPr lang="en-US" dirty="0"/>
-          </a:p>
-          <a:p>
-            <a:pPr lvl="1"/>
-            <a:r>
-              <a:rPr lang="en-US" dirty="0"/>
-              <a:t>Includes </a:t>
-            </a:r>
-            <a:r>
-              <a:rPr lang="en-US" dirty="0" smtClean="0"/>
-              <a:t>hundreds of modules</a:t>
-            </a:r>
-            <a:endParaRPr lang="en-US" dirty="0"/>
-          </a:p>
-          <a:p>
-            <a:pPr lvl="1"/>
-            <a:r>
-              <a:rPr lang="en-US" dirty="0"/>
-              <a:t>Includes </a:t>
-            </a:r>
-            <a:r>
-              <a:rPr lang="en-US" dirty="0" smtClean="0"/>
-              <a:t>common algorithms </a:t>
-            </a:r>
-            <a:r>
-              <a:rPr lang="en-US" dirty="0"/>
-              <a:t>for classification, regression, </a:t>
-            </a:r>
-            <a:r>
-              <a:rPr lang="en-US" dirty="0" smtClean="0"/>
-              <a:t>and </a:t>
-            </a:r>
-            <a:r>
-              <a:rPr lang="en-US" dirty="0"/>
-              <a:t>more</a:t>
-            </a:r>
-          </a:p>
-          <a:p>
-            <a:pPr lvl="1"/>
-            <a:r>
-              <a:rPr lang="en-US" dirty="0"/>
-              <a:t>Supports </a:t>
-            </a:r>
-            <a:r>
-              <a:rPr lang="en-US" dirty="0" smtClean="0"/>
-              <a:t>numerous input formats</a:t>
-            </a:r>
-            <a:endParaRPr lang="en-US" dirty="0"/>
-          </a:p>
-          <a:p>
-            <a:pPr lvl="1"/>
-            <a:r>
-              <a:rPr lang="en-US" dirty="0"/>
-              <a:t>Supports R and </a:t>
-            </a:r>
-            <a:r>
-              <a:rPr lang="en-US" dirty="0" smtClean="0"/>
-              <a:t>Python</a:t>
-            </a:r>
-          </a:p>
-          <a:p>
-            <a:r>
-              <a:rPr lang="en-US" dirty="0" smtClean="0"/>
-              <a:t>Machine </a:t>
-            </a:r>
-            <a:r>
-              <a:rPr lang="en-US" dirty="0"/>
-              <a:t>Learning for the masses</a:t>
-            </a:r>
-          </a:p>
-          <a:p>
-            <a:endParaRPr lang="en-US" dirty="0"/>
-          </a:p>
-        </p:txBody>
-      </p:sp>
-      <p:pic>
-        <p:nvPicPr>
-          <p:cNvPr id="4" name="Picture 3"/>
-          <p:cNvPicPr>
-            <a:picLocks noChangeAspect="1"/>
-          </p:cNvPicPr>
-          <p:nvPr/>
-        </p:nvPicPr>
-        <p:blipFill>
-          <a:blip r:embed="rId3">
-            <a:extLst>
-              <a:ext uri="{28A0092B-C50C-407E-A947-70E740481C1C}">
-                <a14:useLocalDpi xmlns:a14="http://schemas.microsoft.com/office/drawing/2010/main" val="0"/>
-              </a:ext>
-            </a:extLst>
-          </a:blip>
-          <a:stretch>
-            <a:fillRect/>
-          </a:stretch>
-        </p:blipFill>
-        <p:spPr>
-          <a:xfrm>
-            <a:off x="7254624" y="1825625"/>
-            <a:ext cx="4222672" cy="3688071"/>
-          </a:xfrm>
-          <a:prstGeom prst="rect">
-            <a:avLst/>
-          </a:prstGeom>
-          <a:ln>
-            <a:solidFill>
-              <a:schemeClr val="bg1">
-                <a:lumMod val="75000"/>
-              </a:schemeClr>
-            </a:solidFill>
-          </a:ln>
-          <a:effectLst>
-            <a:outerShdw blurRad="292100" dist="139700" dir="2700000" algn="tl" rotWithShape="0">
-              <a:srgbClr val="333333">
-                <a:alpha val="65000"/>
-              </a:srgbClr>
-            </a:outerShdw>
-          </a:effectLst>
-        </p:spPr>
-      </p:pic>
-    </p:spTree>
-    <p:extLst>
-      <p:ext uri="{BB962C8B-B14F-4D97-AF65-F5344CB8AC3E}">
-        <p14:creationId xmlns:p14="http://schemas.microsoft.com/office/powerpoint/2010/main" val="1007403583"/>
-      </p:ext>
-    </p:extLst>
-  </p:cSld>
-  <p:clrMapOvr>
-    <a:masterClrMapping/>
-  </p:clrMapOvr>
-  <p:timing>
-    <p:tnLst>
-      <p:par>
-        <p:cTn id="1" dur="indefinite" restart="never" nodeType="tmRoot"/>
-      </p:par>
-    </p:tnLst>
-  </p:timing>
-</p:sld>
-</file>
-
-<file path=ppt/slides/slide5.xml><?xml version="1.0" encoding="utf-8"?>
-<p:sld xmlns:a="http://schemas.openxmlformats.org/drawingml/2006/main" xmlns:r="http://schemas.openxmlformats.org/officeDocument/2006/relationships" xmlns:p="http://schemas.openxmlformats.org/presentationml/2006/main">
-  <p:cSld>
-    <p:spTree>
-      <p:nvGrpSpPr>
-        <p:cNvPr id="1" name=""/>
-        <p:cNvGrpSpPr/>
-        <p:nvPr/>
-      </p:nvGrpSpPr>
-      <p:grpSpPr>
-        <a:xfrm>
-          <a:off x="0" y="0"/>
-          <a:ext cx="0" cy="0"/>
-          <a:chOff x="0" y="0"/>
-          <a:chExt cx="0" cy="0"/>
-        </a:xfrm>
-      </p:grpSpPr>
-      <p:sp>
-        <p:nvSpPr>
-          <p:cNvPr id="4" name="TextBox 3"/>
-          <p:cNvSpPr txBox="1"/>
-          <p:nvPr/>
-        </p:nvSpPr>
-        <p:spPr>
-          <a:xfrm>
-            <a:off x="1334815" y="1334813"/>
-            <a:ext cx="9017876" cy="4154984"/>
-          </a:xfrm>
-          <a:prstGeom prst="rect">
-            <a:avLst/>
-          </a:prstGeom>
-          <a:noFill/>
-        </p:spPr>
-        <p:txBody>
-          <a:bodyPr wrap="square" lIns="0" tIns="0" rIns="0" bIns="0" rtlCol="0">
-            <a:spAutoFit/>
-          </a:bodyPr>
-          <a:lstStyle/>
-          <a:p>
-            <a:pPr algn="ctr">
-              <a:lnSpc>
-                <a:spcPct val="90000"/>
-              </a:lnSpc>
-              <a:spcBef>
-                <a:spcPct val="20000"/>
-              </a:spcBef>
-              <a:buSzPct val="80000"/>
-            </a:pPr>
-            <a:r>
-              <a:rPr lang="en-US" sz="6000" i="1" dirty="0" smtClean="0">
-                <a:solidFill>
-                  <a:schemeClr val="accent2"/>
-                </a:solidFill>
-                <a:latin typeface="Segoe UI Light" panose="020B0502040204020203" pitchFamily="34" charset="0"/>
-                <a:cs typeface="Segoe UI Light" panose="020B0502040204020203" pitchFamily="34" charset="0"/>
-              </a:rPr>
-              <a:t>I spent last semester building a regression model in Python, and I just did the same thing in 10 minutes with Azure ML</a:t>
-            </a:r>
-            <a:endParaRPr lang="en-US" sz="6000" i="1" dirty="0">
-              <a:solidFill>
-                <a:schemeClr val="accent2"/>
-              </a:solidFill>
-              <a:latin typeface="Segoe UI Light" panose="020B0502040204020203" pitchFamily="34" charset="0"/>
-              <a:cs typeface="Segoe UI Light" panose="020B0502040204020203" pitchFamily="34" charset="0"/>
-            </a:endParaRPr>
-          </a:p>
-        </p:txBody>
-      </p:sp>
-      <p:pic>
-        <p:nvPicPr>
-          <p:cNvPr id="5" name="Picture 4"/>
-          <p:cNvPicPr>
-            <a:picLocks noChangeAspect="1"/>
-          </p:cNvPicPr>
-          <p:nvPr/>
-        </p:nvPicPr>
-        <p:blipFill>
-          <a:blip r:embed="rId3" cstate="print">
-            <a:extLst>
-              <a:ext uri="{28A0092B-C50C-407E-A947-70E740481C1C}">
-                <a14:useLocalDpi xmlns:a14="http://schemas.microsoft.com/office/drawing/2010/main" val="0"/>
-              </a:ext>
-            </a:extLst>
-          </a:blip>
-          <a:stretch>
-            <a:fillRect/>
-          </a:stretch>
-        </p:blipFill>
-        <p:spPr>
-          <a:xfrm>
-            <a:off x="504528" y="874129"/>
-            <a:ext cx="1120158" cy="737437"/>
-          </a:xfrm>
-          <a:prstGeom prst="rect">
-            <a:avLst/>
-          </a:prstGeom>
-        </p:spPr>
-      </p:pic>
-      <p:pic>
-        <p:nvPicPr>
-          <p:cNvPr id="6" name="Picture 5"/>
-          <p:cNvPicPr>
-            <a:picLocks noChangeAspect="1"/>
-          </p:cNvPicPr>
-          <p:nvPr/>
-        </p:nvPicPr>
-        <p:blipFill>
-          <a:blip r:embed="rId4" cstate="print">
-            <a:extLst>
-              <a:ext uri="{28A0092B-C50C-407E-A947-70E740481C1C}">
-                <a14:useLocalDpi xmlns:a14="http://schemas.microsoft.com/office/drawing/2010/main" val="0"/>
-              </a:ext>
-            </a:extLst>
-          </a:blip>
-          <a:stretch>
-            <a:fillRect/>
-          </a:stretch>
-        </p:blipFill>
-        <p:spPr>
-          <a:xfrm>
-            <a:off x="10202486" y="4983654"/>
-            <a:ext cx="1120216" cy="737475"/>
-          </a:xfrm>
-          <a:prstGeom prst="rect">
-            <a:avLst/>
-          </a:prstGeom>
-        </p:spPr>
-      </p:pic>
-    </p:spTree>
-    <p:extLst>
-      <p:ext uri="{BB962C8B-B14F-4D97-AF65-F5344CB8AC3E}">
-        <p14:creationId xmlns:p14="http://schemas.microsoft.com/office/powerpoint/2010/main" val="1364828075"/>
-      </p:ext>
-    </p:extLst>
-  </p:cSld>
-  <p:clrMapOvr>
-    <a:masterClrMapping/>
-  </p:clrMapOvr>
-  <p:timing>
-    <p:tnLst>
-      <p:par>
-        <p:cTn id="1" dur="indefinite" restart="never" nodeType="tmRoot"/>
-      </p:par>
-    </p:tnLst>
-  </p:timing>
-</p:sld>
-</file>
-
-<file path=ppt/slides/slide6.xml><?xml version="1.0" encoding="utf-8"?>
 <p:sld xmlns:a="http://schemas.openxmlformats.org/drawingml/2006/main" xmlns:r="http://schemas.openxmlformats.org/officeDocument/2006/relationships" xmlns:p="http://schemas.openxmlformats.org/presentationml/2006/main">
   <p:cSld>
     <p:spTree>
@@ -18312,7 +18311,1004 @@
 </p:sld>
 </file>
 
+<file path=ppt/slides/slide5.xml><?xml version="1.0" encoding="utf-8"?>
+<p:sld xmlns:a="http://schemas.openxmlformats.org/drawingml/2006/main" xmlns:r="http://schemas.openxmlformats.org/officeDocument/2006/relationships" xmlns:p="http://schemas.openxmlformats.org/presentationml/2006/main">
+  <p:cSld>
+    <p:spTree>
+      <p:nvGrpSpPr>
+        <p:cNvPr id="1" name=""/>
+        <p:cNvGrpSpPr/>
+        <p:nvPr/>
+      </p:nvGrpSpPr>
+      <p:grpSpPr>
+        <a:xfrm>
+          <a:off x="0" y="0"/>
+          <a:ext cx="0" cy="0"/>
+          <a:chOff x="0" y="0"/>
+          <a:chExt cx="0" cy="0"/>
+        </a:xfrm>
+      </p:grpSpPr>
+      <p:sp>
+        <p:nvSpPr>
+          <p:cNvPr id="2" name="Title 1"/>
+          <p:cNvSpPr>
+            <a:spLocks noGrp="1"/>
+          </p:cNvSpPr>
+          <p:nvPr>
+            <p:ph type="title"/>
+          </p:nvPr>
+        </p:nvSpPr>
+        <p:spPr/>
+        <p:txBody>
+          <a:bodyPr/>
+          <a:lstStyle/>
+          <a:p>
+            <a:r>
+              <a:rPr lang="en-US" dirty="0" smtClean="0"/>
+              <a:t>Azure Machine Learning</a:t>
+            </a:r>
+            <a:endParaRPr lang="en-US" dirty="0"/>
+          </a:p>
+        </p:txBody>
+      </p:sp>
+      <p:sp>
+        <p:nvSpPr>
+          <p:cNvPr id="3" name="Content Placeholder 2"/>
+          <p:cNvSpPr>
+            <a:spLocks noGrp="1"/>
+          </p:cNvSpPr>
+          <p:nvPr>
+            <p:ph idx="1"/>
+          </p:nvPr>
+        </p:nvSpPr>
+        <p:spPr>
+          <a:xfrm>
+            <a:off x="838200" y="1825625"/>
+            <a:ext cx="7025640" cy="4351338"/>
+          </a:xfrm>
+        </p:spPr>
+        <p:txBody>
+          <a:bodyPr/>
+          <a:lstStyle/>
+          <a:p>
+            <a:r>
+              <a:rPr lang="en-US" dirty="0" smtClean="0"/>
+              <a:t>Fully managed cloud service for building and operationalizing ML models</a:t>
+            </a:r>
+            <a:endParaRPr lang="en-US" dirty="0"/>
+          </a:p>
+        </p:txBody>
+      </p:sp>
+      <p:pic>
+        <p:nvPicPr>
+          <p:cNvPr id="4" name="Picture 3"/>
+          <p:cNvPicPr>
+            <a:picLocks noChangeAspect="1"/>
+          </p:cNvPicPr>
+          <p:nvPr/>
+        </p:nvPicPr>
+        <p:blipFill>
+          <a:blip r:embed="rId3"/>
+          <a:stretch>
+            <a:fillRect/>
+          </a:stretch>
+        </p:blipFill>
+        <p:spPr>
+          <a:xfrm>
+            <a:off x="7963551" y="324372"/>
+            <a:ext cx="3761726" cy="2509989"/>
+          </a:xfrm>
+          <a:prstGeom prst="rect">
+            <a:avLst/>
+          </a:prstGeom>
+        </p:spPr>
+      </p:pic>
+      <p:sp>
+        <p:nvSpPr>
+          <p:cNvPr id="5" name="Rectangle 4"/>
+          <p:cNvSpPr/>
+          <p:nvPr/>
+        </p:nvSpPr>
+        <p:spPr bwMode="auto">
+          <a:xfrm>
+            <a:off x="508285" y="3055490"/>
+            <a:ext cx="2778917" cy="2958202"/>
+          </a:xfrm>
+          <a:prstGeom prst="rect">
+            <a:avLst/>
+          </a:prstGeom>
+          <a:solidFill>
+            <a:srgbClr val="5095D1"/>
+          </a:solidFill>
+          <a:ln>
+            <a:noFill/>
+            <a:headEnd type="none" w="med" len="med"/>
+            <a:tailEnd type="none" w="med" len="med"/>
+          </a:ln>
+          <a:effectLst/>
+        </p:spPr>
+        <p:style>
+          <a:lnRef idx="1">
+            <a:schemeClr val="accent2"/>
+          </a:lnRef>
+          <a:fillRef idx="3">
+            <a:schemeClr val="accent2"/>
+          </a:fillRef>
+          <a:effectRef idx="2">
+            <a:schemeClr val="accent2"/>
+          </a:effectRef>
+          <a:fontRef idx="minor">
+            <a:schemeClr val="lt1"/>
+          </a:fontRef>
+        </p:style>
+        <p:txBody>
+          <a:bodyPr rot="0" spcFirstLastPara="0" vertOverflow="overflow" horzOverflow="overflow" vert="horz" wrap="square" lIns="179285" tIns="143428" rIns="179285" bIns="143428" numCol="1" spcCol="0" rtlCol="0" fromWordArt="0" anchor="t" anchorCtr="0" forceAA="0" compatLnSpc="1">
+            <a:prstTxWarp prst="textNoShape">
+              <a:avLst/>
+            </a:prstTxWarp>
+            <a:noAutofit/>
+          </a:bodyPr>
+          <a:lstStyle/>
+          <a:p>
+            <a:pPr defTabSz="914102" fontAlgn="base">
+              <a:spcBef>
+                <a:spcPts val="588"/>
+              </a:spcBef>
+              <a:spcAft>
+                <a:spcPts val="1176"/>
+              </a:spcAft>
+            </a:pPr>
+            <a:r>
+              <a:rPr lang="en-US" sz="3137" kern="0" dirty="0">
+                <a:solidFill>
+                  <a:srgbClr val="FFFFFF"/>
+                </a:solidFill>
+                <a:latin typeface="Segoe UI Light"/>
+                <a:ea typeface="Segoe UI" pitchFamily="34" charset="0"/>
+                <a:cs typeface="Segoe UI" pitchFamily="34" charset="0"/>
+              </a:rPr>
+              <a:t>Fully </a:t>
+            </a:r>
+            <a:br>
+              <a:rPr lang="en-US" sz="3137" kern="0" dirty="0">
+                <a:solidFill>
+                  <a:srgbClr val="FFFFFF"/>
+                </a:solidFill>
+                <a:latin typeface="Segoe UI Light"/>
+                <a:ea typeface="Segoe UI" pitchFamily="34" charset="0"/>
+                <a:cs typeface="Segoe UI" pitchFamily="34" charset="0"/>
+              </a:rPr>
+            </a:br>
+            <a:r>
+              <a:rPr lang="en-US" sz="3137" kern="0" dirty="0">
+                <a:solidFill>
+                  <a:srgbClr val="FFFFFF"/>
+                </a:solidFill>
+                <a:latin typeface="Segoe UI Light"/>
+                <a:ea typeface="Segoe UI" pitchFamily="34" charset="0"/>
+                <a:cs typeface="Segoe UI" pitchFamily="34" charset="0"/>
+              </a:rPr>
+              <a:t>managed</a:t>
+            </a:r>
+          </a:p>
+          <a:p>
+            <a:pPr defTabSz="914102" fontAlgn="base">
+              <a:spcBef>
+                <a:spcPts val="588"/>
+              </a:spcBef>
+              <a:spcAft>
+                <a:spcPct val="0"/>
+              </a:spcAft>
+            </a:pPr>
+            <a:endParaRPr lang="en-US" sz="1961" kern="0" dirty="0">
+              <a:solidFill>
+                <a:srgbClr val="FFFFFF"/>
+              </a:solidFill>
+              <a:ea typeface="Segoe UI" pitchFamily="34" charset="0"/>
+              <a:cs typeface="Segoe UI" pitchFamily="34" charset="0"/>
+            </a:endParaRPr>
+          </a:p>
+          <a:p>
+            <a:pPr defTabSz="914102" fontAlgn="base">
+              <a:spcBef>
+                <a:spcPts val="588"/>
+              </a:spcBef>
+              <a:spcAft>
+                <a:spcPct val="0"/>
+              </a:spcAft>
+            </a:pPr>
+            <a:endParaRPr lang="en-US" sz="1961" kern="0" dirty="0">
+              <a:solidFill>
+                <a:srgbClr val="FFFFFF"/>
+              </a:solidFill>
+              <a:ea typeface="Segoe UI" pitchFamily="34" charset="0"/>
+              <a:cs typeface="Segoe UI" pitchFamily="34" charset="0"/>
+            </a:endParaRPr>
+          </a:p>
+        </p:txBody>
+      </p:sp>
+      <p:sp>
+        <p:nvSpPr>
+          <p:cNvPr id="6" name="Rectangle 5"/>
+          <p:cNvSpPr/>
+          <p:nvPr/>
+        </p:nvSpPr>
+        <p:spPr bwMode="auto">
+          <a:xfrm>
+            <a:off x="3287202" y="3055490"/>
+            <a:ext cx="2778917" cy="2958202"/>
+          </a:xfrm>
+          <a:prstGeom prst="rect">
+            <a:avLst/>
+          </a:prstGeom>
+          <a:solidFill>
+            <a:srgbClr val="1D4380"/>
+          </a:solidFill>
+          <a:ln>
+            <a:noFill/>
+            <a:headEnd type="none" w="med" len="med"/>
+            <a:tailEnd type="none" w="med" len="med"/>
+          </a:ln>
+          <a:effectLst/>
+        </p:spPr>
+        <p:style>
+          <a:lnRef idx="1">
+            <a:schemeClr val="accent2"/>
+          </a:lnRef>
+          <a:fillRef idx="3">
+            <a:schemeClr val="accent2"/>
+          </a:fillRef>
+          <a:effectRef idx="2">
+            <a:schemeClr val="accent2"/>
+          </a:effectRef>
+          <a:fontRef idx="minor">
+            <a:schemeClr val="lt1"/>
+          </a:fontRef>
+        </p:style>
+        <p:txBody>
+          <a:bodyPr rot="0" spcFirstLastPara="0" vertOverflow="overflow" horzOverflow="overflow" vert="horz" wrap="square" lIns="179285" tIns="143428" rIns="179285" bIns="143428" numCol="1" spcCol="0" rtlCol="0" fromWordArt="0" anchor="t" anchorCtr="0" forceAA="0" compatLnSpc="1">
+            <a:prstTxWarp prst="textNoShape">
+              <a:avLst/>
+            </a:prstTxWarp>
+            <a:noAutofit/>
+          </a:bodyPr>
+          <a:lstStyle/>
+          <a:p>
+            <a:pPr defTabSz="914102" fontAlgn="base">
+              <a:spcBef>
+                <a:spcPts val="588"/>
+              </a:spcBef>
+              <a:spcAft>
+                <a:spcPts val="1176"/>
+              </a:spcAft>
+            </a:pPr>
+            <a:r>
+              <a:rPr lang="en-US" sz="3137" kern="0" dirty="0">
+                <a:solidFill>
+                  <a:srgbClr val="FFFFFF"/>
+                </a:solidFill>
+                <a:latin typeface="Segoe UI Light"/>
+                <a:ea typeface="Segoe UI" pitchFamily="34" charset="0"/>
+                <a:cs typeface="Segoe UI" pitchFamily="34" charset="0"/>
+              </a:rPr>
+              <a:t>Integrated</a:t>
+            </a:r>
+          </a:p>
+        </p:txBody>
+      </p:sp>
+      <p:sp>
+        <p:nvSpPr>
+          <p:cNvPr id="7" name="Rectangle 6"/>
+          <p:cNvSpPr/>
+          <p:nvPr/>
+        </p:nvSpPr>
+        <p:spPr bwMode="auto">
+          <a:xfrm>
+            <a:off x="6066119" y="3055490"/>
+            <a:ext cx="2936845" cy="2958202"/>
+          </a:xfrm>
+          <a:prstGeom prst="rect">
+            <a:avLst/>
+          </a:prstGeom>
+          <a:solidFill>
+            <a:srgbClr val="00B050"/>
+          </a:solidFill>
+          <a:ln>
+            <a:noFill/>
+            <a:headEnd type="none" w="med" len="med"/>
+            <a:tailEnd type="none" w="med" len="med"/>
+          </a:ln>
+          <a:effectLst/>
+        </p:spPr>
+        <p:style>
+          <a:lnRef idx="1">
+            <a:schemeClr val="accent2"/>
+          </a:lnRef>
+          <a:fillRef idx="3">
+            <a:schemeClr val="accent2"/>
+          </a:fillRef>
+          <a:effectRef idx="2">
+            <a:schemeClr val="accent2"/>
+          </a:effectRef>
+          <a:fontRef idx="minor">
+            <a:schemeClr val="lt1"/>
+          </a:fontRef>
+        </p:style>
+        <p:txBody>
+          <a:bodyPr rot="0" spcFirstLastPara="0" vertOverflow="overflow" horzOverflow="overflow" vert="horz" wrap="square" lIns="179285" tIns="143428" rIns="179285" bIns="143428" numCol="1" spcCol="0" rtlCol="0" fromWordArt="0" anchor="t" anchorCtr="0" forceAA="0" compatLnSpc="1">
+            <a:prstTxWarp prst="textNoShape">
+              <a:avLst/>
+            </a:prstTxWarp>
+            <a:noAutofit/>
+          </a:bodyPr>
+          <a:lstStyle/>
+          <a:p>
+            <a:pPr defTabSz="914102" fontAlgn="base">
+              <a:spcBef>
+                <a:spcPts val="588"/>
+              </a:spcBef>
+              <a:spcAft>
+                <a:spcPts val="1176"/>
+              </a:spcAft>
+            </a:pPr>
+            <a:r>
+              <a:rPr lang="en-US" sz="3039" kern="0" dirty="0">
+                <a:solidFill>
+                  <a:srgbClr val="FFFFFF"/>
+                </a:solidFill>
+                <a:latin typeface="Segoe UI Light"/>
+                <a:ea typeface="Segoe UI" pitchFamily="34" charset="0"/>
+                <a:cs typeface="Segoe UI" pitchFamily="34" charset="0"/>
+              </a:rPr>
+              <a:t>Best in Class Algorithms + R</a:t>
+            </a:r>
+          </a:p>
+        </p:txBody>
+      </p:sp>
+      <p:sp>
+        <p:nvSpPr>
+          <p:cNvPr id="8" name="Rectangle 7"/>
+          <p:cNvSpPr/>
+          <p:nvPr/>
+        </p:nvSpPr>
+        <p:spPr bwMode="auto">
+          <a:xfrm>
+            <a:off x="8845036" y="3055490"/>
+            <a:ext cx="2778917" cy="2958202"/>
+          </a:xfrm>
+          <a:prstGeom prst="rect">
+            <a:avLst/>
+          </a:prstGeom>
+          <a:solidFill>
+            <a:srgbClr val="5095D1"/>
+          </a:solidFill>
+          <a:ln>
+            <a:noFill/>
+            <a:headEnd type="none" w="med" len="med"/>
+            <a:tailEnd type="none" w="med" len="med"/>
+          </a:ln>
+          <a:effectLst/>
+        </p:spPr>
+        <p:style>
+          <a:lnRef idx="1">
+            <a:schemeClr val="accent2"/>
+          </a:lnRef>
+          <a:fillRef idx="3">
+            <a:schemeClr val="accent2"/>
+          </a:fillRef>
+          <a:effectRef idx="2">
+            <a:schemeClr val="accent2"/>
+          </a:effectRef>
+          <a:fontRef idx="minor">
+            <a:schemeClr val="lt1"/>
+          </a:fontRef>
+        </p:style>
+        <p:txBody>
+          <a:bodyPr rot="0" spcFirstLastPara="0" vertOverflow="overflow" horzOverflow="overflow" vert="horz" wrap="square" lIns="179285" tIns="143428" rIns="179285" bIns="143428" numCol="1" spcCol="0" rtlCol="0" fromWordArt="0" anchor="t" anchorCtr="0" forceAA="0" compatLnSpc="1">
+            <a:prstTxWarp prst="textNoShape">
+              <a:avLst/>
+            </a:prstTxWarp>
+            <a:noAutofit/>
+          </a:bodyPr>
+          <a:lstStyle/>
+          <a:p>
+            <a:pPr defTabSz="914102" fontAlgn="base">
+              <a:spcBef>
+                <a:spcPts val="588"/>
+              </a:spcBef>
+              <a:spcAft>
+                <a:spcPts val="1176"/>
+              </a:spcAft>
+            </a:pPr>
+            <a:r>
+              <a:rPr lang="en-US" sz="3137" kern="0" dirty="0">
+                <a:solidFill>
+                  <a:srgbClr val="FFFFFF"/>
+                </a:solidFill>
+                <a:latin typeface="Segoe UI Light"/>
+                <a:ea typeface="Segoe UI" pitchFamily="34" charset="0"/>
+                <a:cs typeface="Segoe UI" pitchFamily="34" charset="0"/>
+              </a:rPr>
+              <a:t>Deploy in minutes</a:t>
+            </a:r>
+          </a:p>
+        </p:txBody>
+      </p:sp>
+      <p:sp>
+        <p:nvSpPr>
+          <p:cNvPr id="9" name="Rectangle 8"/>
+          <p:cNvSpPr/>
+          <p:nvPr/>
+        </p:nvSpPr>
+        <p:spPr>
+          <a:xfrm>
+            <a:off x="478896" y="4442088"/>
+            <a:ext cx="2607782" cy="1176733"/>
+          </a:xfrm>
+          <a:prstGeom prst="rect">
+            <a:avLst/>
+          </a:prstGeom>
+        </p:spPr>
+        <p:txBody>
+          <a:bodyPr wrap="square" lIns="179285">
+            <a:spAutoFit/>
+          </a:bodyPr>
+          <a:lstStyle/>
+          <a:p>
+            <a:pPr defTabSz="914102" fontAlgn="base">
+              <a:spcBef>
+                <a:spcPts val="588"/>
+              </a:spcBef>
+              <a:spcAft>
+                <a:spcPct val="0"/>
+              </a:spcAft>
+            </a:pPr>
+            <a:r>
+              <a:rPr lang="en-US" sz="1765" kern="0" dirty="0">
+                <a:solidFill>
+                  <a:srgbClr val="FFFFFF"/>
+                </a:solidFill>
+                <a:ea typeface="Segoe UI" pitchFamily="34" charset="0"/>
+                <a:cs typeface="Segoe UI" pitchFamily="34" charset="0"/>
+              </a:rPr>
+              <a:t>No software to install, no hardware </a:t>
+            </a:r>
+            <a:r>
+              <a:rPr lang="en-US" sz="1765" kern="0" spc="-98" dirty="0">
+                <a:solidFill>
+                  <a:srgbClr val="FFFFFF"/>
+                </a:solidFill>
+                <a:ea typeface="Segoe UI" pitchFamily="34" charset="0"/>
+                <a:cs typeface="Segoe UI" pitchFamily="34" charset="0"/>
+              </a:rPr>
+              <a:t>to manage,</a:t>
+            </a:r>
+            <a:r>
+              <a:rPr lang="en-US" sz="1765" kern="0" dirty="0">
+                <a:solidFill>
+                  <a:srgbClr val="FFFFFF"/>
+                </a:solidFill>
+                <a:ea typeface="Segoe UI" pitchFamily="34" charset="0"/>
+                <a:cs typeface="Segoe UI" pitchFamily="34" charset="0"/>
+              </a:rPr>
+              <a:t> and one portal to view and update.</a:t>
+            </a:r>
+          </a:p>
+        </p:txBody>
+      </p:sp>
+      <p:sp>
+        <p:nvSpPr>
+          <p:cNvPr id="10" name="Rectangle 9"/>
+          <p:cNvSpPr/>
+          <p:nvPr/>
+        </p:nvSpPr>
+        <p:spPr>
+          <a:xfrm>
+            <a:off x="3257811" y="4442086"/>
+            <a:ext cx="2777982" cy="1448287"/>
+          </a:xfrm>
+          <a:prstGeom prst="rect">
+            <a:avLst/>
+          </a:prstGeom>
+        </p:spPr>
+        <p:txBody>
+          <a:bodyPr wrap="square" lIns="179285">
+            <a:spAutoFit/>
+          </a:bodyPr>
+          <a:lstStyle/>
+          <a:p>
+            <a:pPr defTabSz="914102" fontAlgn="base">
+              <a:spcBef>
+                <a:spcPts val="588"/>
+              </a:spcBef>
+              <a:spcAft>
+                <a:spcPct val="0"/>
+              </a:spcAft>
+            </a:pPr>
+            <a:r>
+              <a:rPr lang="en-US" sz="1765" kern="0" dirty="0">
+                <a:solidFill>
+                  <a:srgbClr val="FFFFFF"/>
+                </a:solidFill>
+                <a:ea typeface="Segoe UI" pitchFamily="34" charset="0"/>
+                <a:cs typeface="Segoe UI" pitchFamily="34" charset="0"/>
+              </a:rPr>
+              <a:t>Simple drag, drop and connect interface for Data Science. No need for programming for common tasks. </a:t>
+            </a:r>
+          </a:p>
+        </p:txBody>
+      </p:sp>
+      <p:sp>
+        <p:nvSpPr>
+          <p:cNvPr id="11" name="Rectangle 10"/>
+          <p:cNvSpPr/>
+          <p:nvPr/>
+        </p:nvSpPr>
+        <p:spPr>
+          <a:xfrm>
+            <a:off x="6036729" y="4442086"/>
+            <a:ext cx="2607782" cy="1448287"/>
+          </a:xfrm>
+          <a:prstGeom prst="rect">
+            <a:avLst/>
+          </a:prstGeom>
+        </p:spPr>
+        <p:txBody>
+          <a:bodyPr wrap="square" lIns="179285">
+            <a:spAutoFit/>
+          </a:bodyPr>
+          <a:lstStyle/>
+          <a:p>
+            <a:pPr defTabSz="914102" fontAlgn="base">
+              <a:spcBef>
+                <a:spcPts val="588"/>
+              </a:spcBef>
+              <a:spcAft>
+                <a:spcPct val="0"/>
+              </a:spcAft>
+            </a:pPr>
+            <a:r>
+              <a:rPr lang="en-US" sz="1765" kern="0" dirty="0">
+                <a:solidFill>
+                  <a:srgbClr val="FFFFFF"/>
+                </a:solidFill>
+                <a:ea typeface="Segoe UI" pitchFamily="34" charset="0"/>
+                <a:cs typeface="Segoe UI" pitchFamily="34" charset="0"/>
+              </a:rPr>
+              <a:t>Built-in collection of best of breed algorithms. Support for R and popular CRAN packages.</a:t>
+            </a:r>
+          </a:p>
+        </p:txBody>
+      </p:sp>
+      <p:sp>
+        <p:nvSpPr>
+          <p:cNvPr id="12" name="Rectangle 11"/>
+          <p:cNvSpPr/>
+          <p:nvPr/>
+        </p:nvSpPr>
+        <p:spPr>
+          <a:xfrm>
+            <a:off x="8816581" y="4442087"/>
+            <a:ext cx="2607782" cy="1176733"/>
+          </a:xfrm>
+          <a:prstGeom prst="rect">
+            <a:avLst/>
+          </a:prstGeom>
+        </p:spPr>
+        <p:txBody>
+          <a:bodyPr wrap="square" lIns="179285">
+            <a:spAutoFit/>
+          </a:bodyPr>
+          <a:lstStyle/>
+          <a:p>
+            <a:pPr defTabSz="914102" fontAlgn="base">
+              <a:spcBef>
+                <a:spcPts val="588"/>
+              </a:spcBef>
+              <a:spcAft>
+                <a:spcPct val="0"/>
+              </a:spcAft>
+            </a:pPr>
+            <a:r>
+              <a:rPr lang="en-US" sz="1765" kern="0" dirty="0">
+                <a:solidFill>
+                  <a:srgbClr val="FFFFFF"/>
+                </a:solidFill>
+                <a:ea typeface="Segoe UI" pitchFamily="34" charset="0"/>
+                <a:cs typeface="Segoe UI" pitchFamily="34" charset="0"/>
+              </a:rPr>
+              <a:t>Operationalize models with a single click. Monetize in Machine Learning Marketplace.</a:t>
+            </a:r>
+          </a:p>
+        </p:txBody>
+      </p:sp>
+    </p:spTree>
+    <p:extLst>
+      <p:ext uri="{BB962C8B-B14F-4D97-AF65-F5344CB8AC3E}">
+        <p14:creationId xmlns:p14="http://schemas.microsoft.com/office/powerpoint/2010/main" val="3719138436"/>
+      </p:ext>
+    </p:extLst>
+  </p:cSld>
+  <p:clrMapOvr>
+    <a:masterClrMapping/>
+  </p:clrMapOvr>
+</p:sld>
+</file>
+
+<file path=ppt/slides/slide6.xml><?xml version="1.0" encoding="utf-8"?>
+<p:sld xmlns:a="http://schemas.openxmlformats.org/drawingml/2006/main" xmlns:r="http://schemas.openxmlformats.org/officeDocument/2006/relationships" xmlns:p="http://schemas.openxmlformats.org/presentationml/2006/main">
+  <p:cSld>
+    <p:spTree>
+      <p:nvGrpSpPr>
+        <p:cNvPr id="1" name=""/>
+        <p:cNvGrpSpPr/>
+        <p:nvPr/>
+      </p:nvGrpSpPr>
+      <p:grpSpPr>
+        <a:xfrm>
+          <a:off x="0" y="0"/>
+          <a:ext cx="0" cy="0"/>
+          <a:chOff x="0" y="0"/>
+          <a:chExt cx="0" cy="0"/>
+        </a:xfrm>
+      </p:grpSpPr>
+      <p:sp>
+        <p:nvSpPr>
+          <p:cNvPr id="4" name="TextBox 3"/>
+          <p:cNvSpPr txBox="1"/>
+          <p:nvPr/>
+        </p:nvSpPr>
+        <p:spPr>
+          <a:xfrm>
+            <a:off x="1334815" y="1334813"/>
+            <a:ext cx="9017876" cy="4154984"/>
+          </a:xfrm>
+          <a:prstGeom prst="rect">
+            <a:avLst/>
+          </a:prstGeom>
+          <a:noFill/>
+        </p:spPr>
+        <p:txBody>
+          <a:bodyPr wrap="square" lIns="0" tIns="0" rIns="0" bIns="0" rtlCol="0">
+            <a:spAutoFit/>
+          </a:bodyPr>
+          <a:lstStyle/>
+          <a:p>
+            <a:pPr algn="ctr">
+              <a:lnSpc>
+                <a:spcPct val="90000"/>
+              </a:lnSpc>
+              <a:spcBef>
+                <a:spcPct val="20000"/>
+              </a:spcBef>
+              <a:buSzPct val="80000"/>
+            </a:pPr>
+            <a:r>
+              <a:rPr lang="en-US" sz="6000" i="1" dirty="0" smtClean="0">
+                <a:solidFill>
+                  <a:schemeClr val="accent2"/>
+                </a:solidFill>
+                <a:latin typeface="Segoe UI Light" panose="020B0502040204020203" pitchFamily="34" charset="0"/>
+                <a:cs typeface="Segoe UI Light" panose="020B0502040204020203" pitchFamily="34" charset="0"/>
+              </a:rPr>
+              <a:t>I spent last semester building a regression model in Python, and I just did the same thing in 10 minutes with Azure ML</a:t>
+            </a:r>
+            <a:endParaRPr lang="en-US" sz="6000" i="1" dirty="0">
+              <a:solidFill>
+                <a:schemeClr val="accent2"/>
+              </a:solidFill>
+              <a:latin typeface="Segoe UI Light" panose="020B0502040204020203" pitchFamily="34" charset="0"/>
+              <a:cs typeface="Segoe UI Light" panose="020B0502040204020203" pitchFamily="34" charset="0"/>
+            </a:endParaRPr>
+          </a:p>
+        </p:txBody>
+      </p:sp>
+      <p:pic>
+        <p:nvPicPr>
+          <p:cNvPr id="5" name="Picture 4"/>
+          <p:cNvPicPr>
+            <a:picLocks noChangeAspect="1"/>
+          </p:cNvPicPr>
+          <p:nvPr/>
+        </p:nvPicPr>
+        <p:blipFill>
+          <a:blip r:embed="rId3" cstate="print">
+            <a:extLst>
+              <a:ext uri="{28A0092B-C50C-407E-A947-70E740481C1C}">
+                <a14:useLocalDpi xmlns:a14="http://schemas.microsoft.com/office/drawing/2010/main" val="0"/>
+              </a:ext>
+            </a:extLst>
+          </a:blip>
+          <a:stretch>
+            <a:fillRect/>
+          </a:stretch>
+        </p:blipFill>
+        <p:spPr>
+          <a:xfrm>
+            <a:off x="504528" y="874129"/>
+            <a:ext cx="1120158" cy="737437"/>
+          </a:xfrm>
+          <a:prstGeom prst="rect">
+            <a:avLst/>
+          </a:prstGeom>
+        </p:spPr>
+      </p:pic>
+      <p:pic>
+        <p:nvPicPr>
+          <p:cNvPr id="6" name="Picture 5"/>
+          <p:cNvPicPr>
+            <a:picLocks noChangeAspect="1"/>
+          </p:cNvPicPr>
+          <p:nvPr/>
+        </p:nvPicPr>
+        <p:blipFill>
+          <a:blip r:embed="rId4" cstate="print">
+            <a:extLst>
+              <a:ext uri="{28A0092B-C50C-407E-A947-70E740481C1C}">
+                <a14:useLocalDpi xmlns:a14="http://schemas.microsoft.com/office/drawing/2010/main" val="0"/>
+              </a:ext>
+            </a:extLst>
+          </a:blip>
+          <a:stretch>
+            <a:fillRect/>
+          </a:stretch>
+        </p:blipFill>
+        <p:spPr>
+          <a:xfrm>
+            <a:off x="10202486" y="4983654"/>
+            <a:ext cx="1120216" cy="737475"/>
+          </a:xfrm>
+          <a:prstGeom prst="rect">
+            <a:avLst/>
+          </a:prstGeom>
+        </p:spPr>
+      </p:pic>
+    </p:spTree>
+    <p:extLst>
+      <p:ext uri="{BB962C8B-B14F-4D97-AF65-F5344CB8AC3E}">
+        <p14:creationId xmlns:p14="http://schemas.microsoft.com/office/powerpoint/2010/main" val="1364828075"/>
+      </p:ext>
+    </p:extLst>
+  </p:cSld>
+  <p:clrMapOvr>
+    <a:masterClrMapping/>
+  </p:clrMapOvr>
+  <p:timing>
+    <p:tnLst>
+      <p:par>
+        <p:cTn id="1" dur="indefinite" restart="never" nodeType="tmRoot"/>
+      </p:par>
+    </p:tnLst>
+  </p:timing>
+</p:sld>
+</file>
+
 <file path=ppt/slides/slide7.xml><?xml version="1.0" encoding="utf-8"?>
+<p:sld xmlns:a="http://schemas.openxmlformats.org/drawingml/2006/main" xmlns:r="http://schemas.openxmlformats.org/officeDocument/2006/relationships" xmlns:p="http://schemas.openxmlformats.org/presentationml/2006/main">
+  <p:cSld>
+    <p:spTree>
+      <p:nvGrpSpPr>
+        <p:cNvPr id="1" name=""/>
+        <p:cNvGrpSpPr/>
+        <p:nvPr/>
+      </p:nvGrpSpPr>
+      <p:grpSpPr>
+        <a:xfrm>
+          <a:off x="0" y="0"/>
+          <a:ext cx="0" cy="0"/>
+          <a:chOff x="0" y="0"/>
+          <a:chExt cx="0" cy="0"/>
+        </a:xfrm>
+      </p:grpSpPr>
+      <p:sp>
+        <p:nvSpPr>
+          <p:cNvPr id="2" name="Title 1"/>
+          <p:cNvSpPr>
+            <a:spLocks noGrp="1"/>
+          </p:cNvSpPr>
+          <p:nvPr>
+            <p:ph type="title"/>
+          </p:nvPr>
+        </p:nvSpPr>
+        <p:spPr/>
+        <p:txBody>
+          <a:bodyPr/>
+          <a:lstStyle/>
+          <a:p>
+            <a:r>
+              <a:rPr lang="en-US" dirty="0" smtClean="0"/>
+              <a:t>Azure Machine </a:t>
+            </a:r>
+            <a:r>
+              <a:rPr lang="en-US" dirty="0" smtClean="0"/>
+              <a:t>Learning Studio</a:t>
+            </a:r>
+            <a:endParaRPr lang="en-US" dirty="0"/>
+          </a:p>
+        </p:txBody>
+      </p:sp>
+      <p:sp>
+        <p:nvSpPr>
+          <p:cNvPr id="3" name="Content Placeholder 2"/>
+          <p:cNvSpPr>
+            <a:spLocks noGrp="1"/>
+          </p:cNvSpPr>
+          <p:nvPr>
+            <p:ph idx="1"/>
+          </p:nvPr>
+        </p:nvSpPr>
+        <p:spPr>
+          <a:xfrm>
+            <a:off x="838199" y="1825625"/>
+            <a:ext cx="5720255" cy="4351338"/>
+          </a:xfrm>
+        </p:spPr>
+        <p:txBody>
+          <a:bodyPr>
+            <a:normAutofit/>
+          </a:bodyPr>
+          <a:lstStyle/>
+          <a:p>
+            <a:r>
+              <a:rPr lang="en-US" dirty="0" smtClean="0"/>
+              <a:t>Visual editor </a:t>
+            </a:r>
+            <a:r>
+              <a:rPr lang="en-US" dirty="0" smtClean="0"/>
+              <a:t>for </a:t>
+            </a:r>
+            <a:r>
+              <a:rPr lang="en-US" dirty="0" smtClean="0"/>
+              <a:t>composing, testing, refining, and deploying machine-learning models</a:t>
+            </a:r>
+            <a:endParaRPr lang="en-US" dirty="0"/>
+          </a:p>
+          <a:p>
+            <a:pPr lvl="1"/>
+            <a:r>
+              <a:rPr lang="en-US" dirty="0"/>
+              <a:t>Includes </a:t>
+            </a:r>
+            <a:r>
+              <a:rPr lang="en-US" dirty="0" smtClean="0"/>
+              <a:t>hundreds of modules</a:t>
+            </a:r>
+            <a:endParaRPr lang="en-US" dirty="0"/>
+          </a:p>
+          <a:p>
+            <a:pPr lvl="1"/>
+            <a:r>
+              <a:rPr lang="en-US" dirty="0"/>
+              <a:t>Includes </a:t>
+            </a:r>
+            <a:r>
+              <a:rPr lang="en-US" dirty="0" smtClean="0"/>
+              <a:t>common algorithms </a:t>
+            </a:r>
+            <a:r>
+              <a:rPr lang="en-US" dirty="0"/>
+              <a:t>for classification, regression, </a:t>
+            </a:r>
+            <a:r>
+              <a:rPr lang="en-US" dirty="0" smtClean="0"/>
+              <a:t>and </a:t>
+            </a:r>
+            <a:r>
+              <a:rPr lang="en-US" dirty="0"/>
+              <a:t>more</a:t>
+            </a:r>
+          </a:p>
+          <a:p>
+            <a:pPr lvl="1"/>
+            <a:r>
+              <a:rPr lang="en-US" dirty="0"/>
+              <a:t>Supports </a:t>
+            </a:r>
+            <a:r>
+              <a:rPr lang="en-US" dirty="0" smtClean="0"/>
+              <a:t>numerous input formats</a:t>
+            </a:r>
+            <a:endParaRPr lang="en-US" dirty="0"/>
+          </a:p>
+          <a:p>
+            <a:pPr lvl="1"/>
+            <a:r>
+              <a:rPr lang="en-US" dirty="0"/>
+              <a:t>Supports R and </a:t>
+            </a:r>
+            <a:r>
+              <a:rPr lang="en-US" dirty="0" smtClean="0"/>
+              <a:t>Python</a:t>
+            </a:r>
+          </a:p>
+          <a:p>
+            <a:r>
+              <a:rPr lang="en-US" dirty="0" smtClean="0"/>
+              <a:t>Machine </a:t>
+            </a:r>
+            <a:r>
+              <a:rPr lang="en-US" dirty="0"/>
+              <a:t>l</a:t>
+            </a:r>
+            <a:r>
+              <a:rPr lang="en-US" dirty="0" smtClean="0"/>
+              <a:t>earning </a:t>
+            </a:r>
+            <a:r>
+              <a:rPr lang="en-US" dirty="0"/>
+              <a:t>for the masses</a:t>
+            </a:r>
+          </a:p>
+          <a:p>
+            <a:endParaRPr lang="en-US" dirty="0"/>
+          </a:p>
+        </p:txBody>
+      </p:sp>
+      <p:pic>
+        <p:nvPicPr>
+          <p:cNvPr id="4" name="Picture 3"/>
+          <p:cNvPicPr>
+            <a:picLocks noChangeAspect="1"/>
+          </p:cNvPicPr>
+          <p:nvPr/>
+        </p:nvPicPr>
+        <p:blipFill>
+          <a:blip r:embed="rId3">
+            <a:extLst>
+              <a:ext uri="{28A0092B-C50C-407E-A947-70E740481C1C}">
+                <a14:useLocalDpi xmlns:a14="http://schemas.microsoft.com/office/drawing/2010/main" val="0"/>
+              </a:ext>
+            </a:extLst>
+          </a:blip>
+          <a:stretch>
+            <a:fillRect/>
+          </a:stretch>
+        </p:blipFill>
+        <p:spPr>
+          <a:xfrm>
+            <a:off x="7254624" y="1825625"/>
+            <a:ext cx="4222672" cy="3688071"/>
+          </a:xfrm>
+          <a:prstGeom prst="rect">
+            <a:avLst/>
+          </a:prstGeom>
+          <a:ln>
+            <a:solidFill>
+              <a:schemeClr val="bg1">
+                <a:lumMod val="75000"/>
+              </a:schemeClr>
+            </a:solidFill>
+          </a:ln>
+          <a:effectLst>
+            <a:outerShdw blurRad="292100" dist="139700" dir="2700000" algn="tl" rotWithShape="0">
+              <a:srgbClr val="333333">
+                <a:alpha val="65000"/>
+              </a:srgbClr>
+            </a:outerShdw>
+          </a:effectLst>
+        </p:spPr>
+      </p:pic>
+    </p:spTree>
+    <p:extLst>
+      <p:ext uri="{BB962C8B-B14F-4D97-AF65-F5344CB8AC3E}">
+        <p14:creationId xmlns:p14="http://schemas.microsoft.com/office/powerpoint/2010/main" val="1007403583"/>
+      </p:ext>
+    </p:extLst>
+  </p:cSld>
+  <p:clrMapOvr>
+    <a:masterClrMapping/>
+  </p:clrMapOvr>
+  <p:timing>
+    <p:tnLst>
+      <p:par>
+        <p:cTn id="1" dur="indefinite" restart="never" nodeType="tmRoot"/>
+      </p:par>
+    </p:tnLst>
+  </p:timing>
+</p:sld>
+</file>
+
+<file path=ppt/slides/slide8.xml><?xml version="1.0" encoding="utf-8"?>
 <p:sld xmlns:a="http://schemas.openxmlformats.org/drawingml/2006/main" xmlns:r="http://schemas.openxmlformats.org/officeDocument/2006/relationships" xmlns:p="http://schemas.openxmlformats.org/presentationml/2006/main">
   <p:cSld>
     <p:spTree>
@@ -18471,7 +19467,7 @@
 </p:sld>
 </file>
 
-<file path=ppt/slides/slide8.xml><?xml version="1.0" encoding="utf-8"?>
+<file path=ppt/slides/slide9.xml><?xml version="1.0" encoding="utf-8"?>
 <p:sld xmlns:a="http://schemas.openxmlformats.org/drawingml/2006/main" xmlns:r="http://schemas.openxmlformats.org/officeDocument/2006/relationships" xmlns:p="http://schemas.openxmlformats.org/presentationml/2006/main">
   <p:cSld>
     <p:spTree>
@@ -18662,231 +19658,6 @@
       </p:par>
     </p:tnLst>
   </p:timing>
-</p:sld>
-</file>
-
-<file path=ppt/slides/slide9.xml><?xml version="1.0" encoding="utf-8"?>
-<p:sld xmlns:a="http://schemas.openxmlformats.org/drawingml/2006/main" xmlns:r="http://schemas.openxmlformats.org/officeDocument/2006/relationships" xmlns:p="http://schemas.openxmlformats.org/presentationml/2006/main">
-  <p:cSld>
-    <p:spTree>
-      <p:nvGrpSpPr>
-        <p:cNvPr id="1" name=""/>
-        <p:cNvGrpSpPr/>
-        <p:nvPr/>
-      </p:nvGrpSpPr>
-      <p:grpSpPr>
-        <a:xfrm>
-          <a:off x="0" y="0"/>
-          <a:ext cx="0" cy="0"/>
-          <a:chOff x="0" y="0"/>
-          <a:chExt cx="0" cy="0"/>
-        </a:xfrm>
-      </p:grpSpPr>
-      <p:sp>
-        <p:nvSpPr>
-          <p:cNvPr id="2" name="Title 1"/>
-          <p:cNvSpPr>
-            <a:spLocks noGrp="1"/>
-          </p:cNvSpPr>
-          <p:nvPr>
-            <p:ph type="title"/>
-          </p:nvPr>
-        </p:nvSpPr>
-        <p:spPr/>
-        <p:txBody>
-          <a:bodyPr/>
-          <a:lstStyle/>
-          <a:p>
-            <a:r>
-              <a:rPr lang="en-US" dirty="0" smtClean="0"/>
-              <a:t>Simple (Univariate) Linear Regression</a:t>
-            </a:r>
-            <a:endParaRPr lang="en-US" dirty="0"/>
-          </a:p>
-        </p:txBody>
-      </p:sp>
-      <p:pic>
-        <p:nvPicPr>
-          <p:cNvPr id="4" name="Picture 3"/>
-          <p:cNvPicPr>
-            <a:picLocks noChangeAspect="1"/>
-          </p:cNvPicPr>
-          <p:nvPr/>
-        </p:nvPicPr>
-        <p:blipFill>
-          <a:blip r:embed="rId3"/>
-          <a:stretch>
-            <a:fillRect/>
-          </a:stretch>
-        </p:blipFill>
-        <p:spPr>
-          <a:xfrm>
-            <a:off x="2861210" y="2110710"/>
-            <a:ext cx="6056623" cy="3768982"/>
-          </a:xfrm>
-          <a:prstGeom prst="rect">
-            <a:avLst/>
-          </a:prstGeom>
-        </p:spPr>
-      </p:pic>
-      <p:sp>
-        <p:nvSpPr>
-          <p:cNvPr id="5" name="TextBox 4"/>
-          <p:cNvSpPr txBox="1"/>
-          <p:nvPr/>
-        </p:nvSpPr>
-        <p:spPr>
-          <a:xfrm>
-            <a:off x="560440" y="2015613"/>
-            <a:ext cx="2163096" cy="1754326"/>
-          </a:xfrm>
-          <a:prstGeom prst="rect">
-            <a:avLst/>
-          </a:prstGeom>
-          <a:noFill/>
-        </p:spPr>
-        <p:txBody>
-          <a:bodyPr wrap="square" rtlCol="0">
-            <a:spAutoFit/>
-          </a:bodyPr>
-          <a:lstStyle/>
-          <a:p>
-            <a:r>
-              <a:rPr lang="en-US" dirty="0" smtClean="0"/>
-              <a:t>Regression line represented by an equation of the form Y = b</a:t>
-            </a:r>
-            <a:r>
-              <a:rPr lang="en-US" baseline="-25000" dirty="0" smtClean="0"/>
-              <a:t>0</a:t>
-            </a:r>
-            <a:r>
-              <a:rPr lang="en-US" dirty="0" smtClean="0"/>
-              <a:t> + b</a:t>
-            </a:r>
-            <a:r>
-              <a:rPr lang="en-US" baseline="-25000" dirty="0" smtClean="0"/>
-              <a:t>1</a:t>
-            </a:r>
-            <a:r>
-              <a:rPr lang="en-US" dirty="0" smtClean="0"/>
-              <a:t>X where Y is the dependent variable</a:t>
-            </a:r>
-            <a:endParaRPr lang="en-US" dirty="0"/>
-          </a:p>
-        </p:txBody>
-      </p:sp>
-      <p:cxnSp>
-        <p:nvCxnSpPr>
-          <p:cNvPr id="7" name="Straight Arrow Connector 6"/>
-          <p:cNvCxnSpPr/>
-          <p:nvPr/>
-        </p:nvCxnSpPr>
-        <p:spPr>
-          <a:xfrm>
-            <a:off x="2723536" y="3677265"/>
-            <a:ext cx="934064" cy="924232"/>
-          </a:xfrm>
-          <a:prstGeom prst="straightConnector1">
-            <a:avLst/>
-          </a:prstGeom>
-          <a:ln w="76200">
-            <a:solidFill>
-              <a:srgbClr val="235888"/>
-            </a:solidFill>
-            <a:tailEnd type="triangle"/>
-          </a:ln>
-        </p:spPr>
-        <p:style>
-          <a:lnRef idx="1">
-            <a:schemeClr val="accent1"/>
-          </a:lnRef>
-          <a:fillRef idx="0">
-            <a:schemeClr val="accent1"/>
-          </a:fillRef>
-          <a:effectRef idx="0">
-            <a:schemeClr val="accent1"/>
-          </a:effectRef>
-          <a:fontRef idx="minor">
-            <a:schemeClr val="tx1"/>
-          </a:fontRef>
-        </p:style>
-      </p:cxnSp>
-      <p:sp>
-        <p:nvSpPr>
-          <p:cNvPr id="8" name="TextBox 7"/>
-          <p:cNvSpPr txBox="1"/>
-          <p:nvPr/>
-        </p:nvSpPr>
-        <p:spPr>
-          <a:xfrm>
-            <a:off x="9724105" y="3585834"/>
-            <a:ext cx="2182760" cy="2031325"/>
-          </a:xfrm>
-          <a:prstGeom prst="rect">
-            <a:avLst/>
-          </a:prstGeom>
-          <a:noFill/>
-        </p:spPr>
-        <p:txBody>
-          <a:bodyPr wrap="square" rtlCol="0">
-            <a:spAutoFit/>
-          </a:bodyPr>
-          <a:lstStyle/>
-          <a:p>
-            <a:r>
-              <a:rPr lang="en-US" dirty="0" smtClean="0"/>
-              <a:t>Error between actual and computed output minimized using least-squares or gradient-descent method</a:t>
-            </a:r>
-            <a:endParaRPr lang="en-US" dirty="0"/>
-          </a:p>
-        </p:txBody>
-      </p:sp>
-      <p:cxnSp>
-        <p:nvCxnSpPr>
-          <p:cNvPr id="9" name="Straight Arrow Connector 8"/>
-          <p:cNvCxnSpPr/>
-          <p:nvPr/>
-        </p:nvCxnSpPr>
-        <p:spPr>
-          <a:xfrm flipH="1" flipV="1">
-            <a:off x="8101781" y="3677265"/>
-            <a:ext cx="1622325" cy="103124"/>
-          </a:xfrm>
-          <a:prstGeom prst="straightConnector1">
-            <a:avLst/>
-          </a:prstGeom>
-          <a:ln w="76200">
-            <a:solidFill>
-              <a:srgbClr val="235888"/>
-            </a:solidFill>
-            <a:tailEnd type="triangle"/>
-          </a:ln>
-        </p:spPr>
-        <p:style>
-          <a:lnRef idx="1">
-            <a:schemeClr val="accent1"/>
-          </a:lnRef>
-          <a:fillRef idx="0">
-            <a:schemeClr val="accent1"/>
-          </a:fillRef>
-          <a:effectRef idx="0">
-            <a:schemeClr val="accent1"/>
-          </a:effectRef>
-          <a:fontRef idx="minor">
-            <a:schemeClr val="tx1"/>
-          </a:fontRef>
-        </p:style>
-      </p:cxnSp>
-    </p:spTree>
-    <p:extLst>
-      <p:ext uri="{BB962C8B-B14F-4D97-AF65-F5344CB8AC3E}">
-        <p14:creationId xmlns:p14="http://schemas.microsoft.com/office/powerpoint/2010/main" val="3149181271"/>
-      </p:ext>
-    </p:extLst>
-  </p:cSld>
-  <p:clrMapOvr>
-    <a:masterClrMapping/>
-  </p:clrMapOvr>
 </p:sld>
 </file>
 
